--- a/trunk/doc/NHibernateDemo.pptx
+++ b/trunk/doc/NHibernateDemo.pptx
@@ -34,53 +34,6 @@
     <p:sldId id="299" r:id="rId28"/>
     <p:sldId id="300" r:id="rId29"/>
     <p:sldId id="301" r:id="rId30"/>
-    <p:sldId id="302" r:id="rId31"/>
-    <p:sldId id="303" r:id="rId32"/>
-    <p:sldId id="304" r:id="rId33"/>
-    <p:sldId id="306" r:id="rId34"/>
-    <p:sldId id="307" r:id="rId35"/>
-    <p:sldId id="261" r:id="rId36"/>
-    <p:sldId id="308" r:id="rId37"/>
-    <p:sldId id="357" r:id="rId38"/>
-    <p:sldId id="309" r:id="rId39"/>
-    <p:sldId id="314" r:id="rId40"/>
-    <p:sldId id="310" r:id="rId41"/>
-    <p:sldId id="311" r:id="rId42"/>
-    <p:sldId id="312" r:id="rId43"/>
-    <p:sldId id="316" r:id="rId44"/>
-    <p:sldId id="263" r:id="rId45"/>
-    <p:sldId id="321" r:id="rId46"/>
-    <p:sldId id="318" r:id="rId47"/>
-    <p:sldId id="319" r:id="rId48"/>
-    <p:sldId id="326" r:id="rId49"/>
-    <p:sldId id="327" r:id="rId50"/>
-    <p:sldId id="328" r:id="rId51"/>
-    <p:sldId id="330" r:id="rId52"/>
-    <p:sldId id="332" r:id="rId53"/>
-    <p:sldId id="333" r:id="rId54"/>
-    <p:sldId id="334" r:id="rId55"/>
-    <p:sldId id="362" r:id="rId56"/>
-    <p:sldId id="364" r:id="rId57"/>
-    <p:sldId id="363" r:id="rId58"/>
-    <p:sldId id="336" r:id="rId59"/>
-    <p:sldId id="337" r:id="rId60"/>
-    <p:sldId id="338" r:id="rId61"/>
-    <p:sldId id="342" r:id="rId62"/>
-    <p:sldId id="343" r:id="rId63"/>
-    <p:sldId id="355" r:id="rId64"/>
-    <p:sldId id="344" r:id="rId65"/>
-    <p:sldId id="345" r:id="rId66"/>
-    <p:sldId id="346" r:id="rId67"/>
-    <p:sldId id="365" r:id="rId68"/>
-    <p:sldId id="356" r:id="rId69"/>
-    <p:sldId id="347" r:id="rId70"/>
-    <p:sldId id="348" r:id="rId71"/>
-    <p:sldId id="349" r:id="rId72"/>
-    <p:sldId id="350" r:id="rId73"/>
-    <p:sldId id="351" r:id="rId74"/>
-    <p:sldId id="352" r:id="rId75"/>
-    <p:sldId id="353" r:id="rId76"/>
-    <p:sldId id="354" r:id="rId77"/>
   </p:sldIdLst>
   <p:sldSz cx="9144000" cy="6858000" type="screen4x3"/>
   <p:notesSz cx="6858000" cy="9144000"/>
@@ -364,7 +317,7 @@
             <a:fld id="{EEEEEF48-E2BB-4732-BE8F-87CA0831FF3E}" type="datetimeFigureOut">
               <a:rPr lang="en-US" smtClean="0"/>
               <a:pPr/>
-              <a:t>5/5/2010</a:t>
+              <a:t>5/9/2010</a:t>
             </a:fld>
             <a:endParaRPr lang="en-US"/>
           </a:p>
@@ -531,7 +484,7 @@
             <a:fld id="{EEEEEF48-E2BB-4732-BE8F-87CA0831FF3E}" type="datetimeFigureOut">
               <a:rPr lang="en-US" smtClean="0"/>
               <a:pPr/>
-              <a:t>5/5/2010</a:t>
+              <a:t>5/9/2010</a:t>
             </a:fld>
             <a:endParaRPr lang="en-US"/>
           </a:p>
@@ -708,7 +661,7 @@
             <a:fld id="{EEEEEF48-E2BB-4732-BE8F-87CA0831FF3E}" type="datetimeFigureOut">
               <a:rPr lang="en-US" smtClean="0"/>
               <a:pPr/>
-              <a:t>5/5/2010</a:t>
+              <a:t>5/9/2010</a:t>
             </a:fld>
             <a:endParaRPr lang="en-US"/>
           </a:p>
@@ -875,7 +828,7 @@
             <a:fld id="{EEEEEF48-E2BB-4732-BE8F-87CA0831FF3E}" type="datetimeFigureOut">
               <a:rPr lang="en-US" smtClean="0"/>
               <a:pPr/>
-              <a:t>5/5/2010</a:t>
+              <a:t>5/9/2010</a:t>
             </a:fld>
             <a:endParaRPr lang="en-US"/>
           </a:p>
@@ -1118,7 +1071,7 @@
             <a:fld id="{EEEEEF48-E2BB-4732-BE8F-87CA0831FF3E}" type="datetimeFigureOut">
               <a:rPr lang="en-US" smtClean="0"/>
               <a:pPr/>
-              <a:t>5/5/2010</a:t>
+              <a:t>5/9/2010</a:t>
             </a:fld>
             <a:endParaRPr lang="en-US"/>
           </a:p>
@@ -1403,7 +1356,7 @@
             <a:fld id="{EEEEEF48-E2BB-4732-BE8F-87CA0831FF3E}" type="datetimeFigureOut">
               <a:rPr lang="en-US" smtClean="0"/>
               <a:pPr/>
-              <a:t>5/5/2010</a:t>
+              <a:t>5/9/2010</a:t>
             </a:fld>
             <a:endParaRPr lang="en-US"/>
           </a:p>
@@ -1822,7 +1775,7 @@
             <a:fld id="{EEEEEF48-E2BB-4732-BE8F-87CA0831FF3E}" type="datetimeFigureOut">
               <a:rPr lang="en-US" smtClean="0"/>
               <a:pPr/>
-              <a:t>5/5/2010</a:t>
+              <a:t>5/9/2010</a:t>
             </a:fld>
             <a:endParaRPr lang="en-US"/>
           </a:p>
@@ -1937,7 +1890,7 @@
             <a:fld id="{EEEEEF48-E2BB-4732-BE8F-87CA0831FF3E}" type="datetimeFigureOut">
               <a:rPr lang="en-US" smtClean="0"/>
               <a:pPr/>
-              <a:t>5/5/2010</a:t>
+              <a:t>5/9/2010</a:t>
             </a:fld>
             <a:endParaRPr lang="en-US"/>
           </a:p>
@@ -2029,7 +1982,7 @@
             <a:fld id="{EEEEEF48-E2BB-4732-BE8F-87CA0831FF3E}" type="datetimeFigureOut">
               <a:rPr lang="en-US" smtClean="0"/>
               <a:pPr/>
-              <a:t>5/5/2010</a:t>
+              <a:t>5/9/2010</a:t>
             </a:fld>
             <a:endParaRPr lang="en-US"/>
           </a:p>
@@ -2303,7 +2256,7 @@
             <a:fld id="{EEEEEF48-E2BB-4732-BE8F-87CA0831FF3E}" type="datetimeFigureOut">
               <a:rPr lang="en-US" smtClean="0"/>
               <a:pPr/>
-              <a:t>5/5/2010</a:t>
+              <a:t>5/9/2010</a:t>
             </a:fld>
             <a:endParaRPr lang="en-US"/>
           </a:p>
@@ -2553,7 +2506,7 @@
             <a:fld id="{EEEEEF48-E2BB-4732-BE8F-87CA0831FF3E}" type="datetimeFigureOut">
               <a:rPr lang="en-US" smtClean="0"/>
               <a:pPr/>
-              <a:t>5/5/2010</a:t>
+              <a:t>5/9/2010</a:t>
             </a:fld>
             <a:endParaRPr lang="en-US"/>
           </a:p>
@@ -2763,7 +2716,7 @@
             <a:fld id="{EEEEEF48-E2BB-4732-BE8F-87CA0831FF3E}" type="datetimeFigureOut">
               <a:rPr lang="en-US" smtClean="0"/>
               <a:pPr/>
-              <a:t>5/5/2010</a:t>
+              <a:t>5/9/2010</a:t>
             </a:fld>
             <a:endParaRPr lang="en-US"/>
           </a:p>
@@ -5281,943 +5234,6 @@
 </p:sld>
 </file>
 
-<file path=ppt/slides/slide30.xml><?xml version="1.0" encoding="utf-8"?>
-<p:sld xmlns:a="http://schemas.openxmlformats.org/drawingml/2006/main" xmlns:r="http://schemas.openxmlformats.org/officeDocument/2006/relationships" xmlns:p="http://schemas.openxmlformats.org/presentationml/2006/main">
-  <p:cSld>
-    <p:spTree>
-      <p:nvGrpSpPr>
-        <p:cNvPr id="1" name=""/>
-        <p:cNvGrpSpPr/>
-        <p:nvPr/>
-      </p:nvGrpSpPr>
-      <p:grpSpPr>
-        <a:xfrm>
-          <a:off x="0" y="0"/>
-          <a:ext cx="0" cy="0"/>
-          <a:chOff x="0" y="0"/>
-          <a:chExt cx="0" cy="0"/>
-        </a:xfrm>
-      </p:grpSpPr>
-      <p:sp>
-        <p:nvSpPr>
-          <p:cNvPr id="2" name="Title 1"/>
-          <p:cNvSpPr>
-            <a:spLocks noGrp="1"/>
-          </p:cNvSpPr>
-          <p:nvPr>
-            <p:ph type="title"/>
-          </p:nvPr>
-        </p:nvSpPr>
-        <p:spPr/>
-        <p:txBody>
-          <a:bodyPr/>
-          <a:lstStyle/>
-          <a:p>
-            <a:endParaRPr lang="en-US"/>
-          </a:p>
-        </p:txBody>
-      </p:sp>
-      <p:sp>
-        <p:nvSpPr>
-          <p:cNvPr id="3" name="Content Placeholder 2"/>
-          <p:cNvSpPr>
-            <a:spLocks noGrp="1"/>
-          </p:cNvSpPr>
-          <p:nvPr>
-            <p:ph idx="1"/>
-          </p:nvPr>
-        </p:nvSpPr>
-        <p:spPr/>
-        <p:txBody>
-          <a:bodyPr/>
-          <a:lstStyle/>
-          <a:p>
-            <a:pPr>
-              <a:buNone/>
-            </a:pPr>
-            <a:endParaRPr lang="en-US" dirty="0" smtClean="0"/>
-          </a:p>
-          <a:p>
-            <a:pPr>
-              <a:buNone/>
-            </a:pPr>
-            <a:endParaRPr lang="en-US" dirty="0" smtClean="0"/>
-          </a:p>
-          <a:p>
-            <a:pPr algn="ctr">
-              <a:buNone/>
-            </a:pPr>
-            <a:r>
-              <a:rPr lang="en-US" sz="4400" dirty="0" smtClean="0"/>
-              <a:t>Transitive Persistence</a:t>
-            </a:r>
-            <a:endParaRPr lang="en-US" sz="4400" dirty="0"/>
-          </a:p>
-        </p:txBody>
-      </p:sp>
-    </p:spTree>
-  </p:cSld>
-  <p:clrMapOvr>
-    <a:masterClrMapping/>
-  </p:clrMapOvr>
-  <p:transition advTm="7328"/>
-  <p:timing>
-    <p:tnLst>
-      <p:par>
-        <p:cTn id="1" dur="indefinite" restart="never" nodeType="tmRoot"/>
-      </p:par>
-    </p:tnLst>
-  </p:timing>
-</p:sld>
-</file>
-
-<file path=ppt/slides/slide31.xml><?xml version="1.0" encoding="utf-8"?>
-<p:sld xmlns:a="http://schemas.openxmlformats.org/drawingml/2006/main" xmlns:r="http://schemas.openxmlformats.org/officeDocument/2006/relationships" xmlns:p="http://schemas.openxmlformats.org/presentationml/2006/main">
-  <p:cSld>
-    <p:spTree>
-      <p:nvGrpSpPr>
-        <p:cNvPr id="1" name=""/>
-        <p:cNvGrpSpPr/>
-        <p:nvPr/>
-      </p:nvGrpSpPr>
-      <p:grpSpPr>
-        <a:xfrm>
-          <a:off x="0" y="0"/>
-          <a:ext cx="0" cy="0"/>
-          <a:chOff x="0" y="0"/>
-          <a:chExt cx="0" cy="0"/>
-        </a:xfrm>
-      </p:grpSpPr>
-      <p:sp>
-        <p:nvSpPr>
-          <p:cNvPr id="2" name="Title 1"/>
-          <p:cNvSpPr>
-            <a:spLocks noGrp="1"/>
-          </p:cNvSpPr>
-          <p:nvPr>
-            <p:ph type="title"/>
-          </p:nvPr>
-        </p:nvSpPr>
-        <p:spPr/>
-        <p:txBody>
-          <a:bodyPr/>
-          <a:lstStyle/>
-          <a:p>
-            <a:endParaRPr lang="en-US"/>
-          </a:p>
-        </p:txBody>
-      </p:sp>
-      <p:sp>
-        <p:nvSpPr>
-          <p:cNvPr id="3" name="Content Placeholder 2"/>
-          <p:cNvSpPr>
-            <a:spLocks noGrp="1"/>
-          </p:cNvSpPr>
-          <p:nvPr>
-            <p:ph idx="1"/>
-          </p:nvPr>
-        </p:nvSpPr>
-        <p:spPr/>
-        <p:txBody>
-          <a:bodyPr/>
-          <a:lstStyle/>
-          <a:p>
-            <a:pPr>
-              <a:buNone/>
-            </a:pPr>
-            <a:endParaRPr lang="en-US" dirty="0" smtClean="0"/>
-          </a:p>
-          <a:p>
-            <a:pPr>
-              <a:buNone/>
-            </a:pPr>
-            <a:endParaRPr lang="en-US" dirty="0" smtClean="0"/>
-          </a:p>
-          <a:p>
-            <a:pPr algn="ctr">
-              <a:buNone/>
-            </a:pPr>
-            <a:r>
-              <a:rPr lang="en-US" dirty="0" smtClean="0"/>
-              <a:t>Managing associations between classes in a transparent manner</a:t>
-            </a:r>
-          </a:p>
-          <a:p>
-            <a:pPr>
-              <a:buNone/>
-            </a:pPr>
-            <a:endParaRPr lang="en-US" dirty="0"/>
-          </a:p>
-        </p:txBody>
-      </p:sp>
-    </p:spTree>
-  </p:cSld>
-  <p:clrMapOvr>
-    <a:masterClrMapping/>
-  </p:clrMapOvr>
-  <p:transition advTm="8954"/>
-  <p:timing>
-    <p:tnLst>
-      <p:par>
-        <p:cTn id="1" dur="indefinite" restart="never" nodeType="tmRoot"/>
-      </p:par>
-    </p:tnLst>
-  </p:timing>
-</p:sld>
-</file>
-
-<file path=ppt/slides/slide32.xml><?xml version="1.0" encoding="utf-8"?>
-<p:sld xmlns:a="http://schemas.openxmlformats.org/drawingml/2006/main" xmlns:r="http://schemas.openxmlformats.org/officeDocument/2006/relationships" xmlns:p="http://schemas.openxmlformats.org/presentationml/2006/main">
-  <p:cSld>
-    <p:spTree>
-      <p:nvGrpSpPr>
-        <p:cNvPr id="1" name=""/>
-        <p:cNvGrpSpPr/>
-        <p:nvPr/>
-      </p:nvGrpSpPr>
-      <p:grpSpPr>
-        <a:xfrm>
-          <a:off x="0" y="0"/>
-          <a:ext cx="0" cy="0"/>
-          <a:chOff x="0" y="0"/>
-          <a:chExt cx="0" cy="0"/>
-        </a:xfrm>
-      </p:grpSpPr>
-      <p:sp>
-        <p:nvSpPr>
-          <p:cNvPr id="2" name="Title 1"/>
-          <p:cNvSpPr>
-            <a:spLocks noGrp="1"/>
-          </p:cNvSpPr>
-          <p:nvPr>
-            <p:ph type="title"/>
-          </p:nvPr>
-        </p:nvSpPr>
-        <p:spPr/>
-        <p:txBody>
-          <a:bodyPr/>
-          <a:lstStyle/>
-          <a:p>
-            <a:endParaRPr lang="en-US"/>
-          </a:p>
-        </p:txBody>
-      </p:sp>
-      <p:sp>
-        <p:nvSpPr>
-          <p:cNvPr id="3" name="Content Placeholder 2"/>
-          <p:cNvSpPr>
-            <a:spLocks noGrp="1"/>
-          </p:cNvSpPr>
-          <p:nvPr>
-            <p:ph idx="1"/>
-          </p:nvPr>
-        </p:nvSpPr>
-        <p:spPr/>
-        <p:txBody>
-          <a:bodyPr/>
-          <a:lstStyle/>
-          <a:p>
-            <a:pPr>
-              <a:buNone/>
-            </a:pPr>
-            <a:endParaRPr lang="en-US" dirty="0" smtClean="0"/>
-          </a:p>
-          <a:p>
-            <a:pPr>
-              <a:buNone/>
-            </a:pPr>
-            <a:endParaRPr lang="en-US" dirty="0" smtClean="0"/>
-          </a:p>
-          <a:p>
-            <a:pPr algn="ctr">
-              <a:buNone/>
-            </a:pPr>
-            <a:r>
-              <a:rPr lang="en-US" dirty="0" smtClean="0"/>
-              <a:t>Allows you to persist object graphs with one instruction</a:t>
-            </a:r>
-          </a:p>
-          <a:p>
-            <a:pPr>
-              <a:buNone/>
-            </a:pPr>
-            <a:endParaRPr lang="en-US" dirty="0"/>
-          </a:p>
-        </p:txBody>
-      </p:sp>
-    </p:spTree>
-  </p:cSld>
-  <p:clrMapOvr>
-    <a:masterClrMapping/>
-  </p:clrMapOvr>
-  <p:transition advTm="12594"/>
-  <p:timing>
-    <p:tnLst>
-      <p:par>
-        <p:cTn id="1" dur="indefinite" restart="never" nodeType="tmRoot"/>
-      </p:par>
-    </p:tnLst>
-  </p:timing>
-</p:sld>
-</file>
-
-<file path=ppt/slides/slide33.xml><?xml version="1.0" encoding="utf-8"?>
-<p:sld xmlns:a="http://schemas.openxmlformats.org/drawingml/2006/main" xmlns:r="http://schemas.openxmlformats.org/officeDocument/2006/relationships" xmlns:p="http://schemas.openxmlformats.org/presentationml/2006/main">
-  <p:cSld>
-    <p:spTree>
-      <p:nvGrpSpPr>
-        <p:cNvPr id="1" name=""/>
-        <p:cNvGrpSpPr/>
-        <p:nvPr/>
-      </p:nvGrpSpPr>
-      <p:grpSpPr>
-        <a:xfrm>
-          <a:off x="0" y="0"/>
-          <a:ext cx="0" cy="0"/>
-          <a:chOff x="0" y="0"/>
-          <a:chExt cx="0" cy="0"/>
-        </a:xfrm>
-      </p:grpSpPr>
-      <p:sp>
-        <p:nvSpPr>
-          <p:cNvPr id="2" name="Title 1"/>
-          <p:cNvSpPr>
-            <a:spLocks noGrp="1"/>
-          </p:cNvSpPr>
-          <p:nvPr>
-            <p:ph type="title"/>
-          </p:nvPr>
-        </p:nvSpPr>
-        <p:spPr/>
-        <p:txBody>
-          <a:bodyPr/>
-          <a:lstStyle/>
-          <a:p>
-            <a:endParaRPr lang="en-US"/>
-          </a:p>
-        </p:txBody>
-      </p:sp>
-      <p:sp>
-        <p:nvSpPr>
-          <p:cNvPr id="3" name="Content Placeholder 2"/>
-          <p:cNvSpPr>
-            <a:spLocks noGrp="1"/>
-          </p:cNvSpPr>
-          <p:nvPr>
-            <p:ph idx="1"/>
-          </p:nvPr>
-        </p:nvSpPr>
-        <p:spPr/>
-        <p:txBody>
-          <a:bodyPr/>
-          <a:lstStyle/>
-          <a:p>
-            <a:pPr>
-              <a:buNone/>
-            </a:pPr>
-            <a:endParaRPr lang="en-US" dirty="0" smtClean="0"/>
-          </a:p>
-          <a:p>
-            <a:pPr>
-              <a:buNone/>
-            </a:pPr>
-            <a:endParaRPr lang="en-US" dirty="0" smtClean="0"/>
-          </a:p>
-          <a:p>
-            <a:pPr algn="ctr">
-              <a:buNone/>
-            </a:pPr>
-            <a:r>
-              <a:rPr lang="en-US" dirty="0" smtClean="0"/>
-              <a:t>Needs to be configured for each association </a:t>
-            </a:r>
-          </a:p>
-          <a:p>
-            <a:pPr algn="ctr">
-              <a:buNone/>
-            </a:pPr>
-            <a:r>
-              <a:rPr lang="en-US" dirty="0" smtClean="0"/>
-              <a:t>=&gt; fine-grained control over cascade settings</a:t>
-            </a:r>
-          </a:p>
-          <a:p>
-            <a:pPr>
-              <a:buNone/>
-            </a:pPr>
-            <a:endParaRPr lang="en-US" dirty="0"/>
-          </a:p>
-        </p:txBody>
-      </p:sp>
-    </p:spTree>
-  </p:cSld>
-  <p:clrMapOvr>
-    <a:masterClrMapping/>
-  </p:clrMapOvr>
-  <p:transition advTm="35562"/>
-  <p:timing>
-    <p:tnLst>
-      <p:par>
-        <p:cTn id="1" dur="indefinite" restart="never" nodeType="tmRoot"/>
-      </p:par>
-    </p:tnLst>
-  </p:timing>
-</p:sld>
-</file>
-
-<file path=ppt/slides/slide34.xml><?xml version="1.0" encoding="utf-8"?>
-<p:sld xmlns:a="http://schemas.openxmlformats.org/drawingml/2006/main" xmlns:r="http://schemas.openxmlformats.org/officeDocument/2006/relationships" xmlns:p="http://schemas.openxmlformats.org/presentationml/2006/main">
-  <p:cSld>
-    <p:spTree>
-      <p:nvGrpSpPr>
-        <p:cNvPr id="1" name=""/>
-        <p:cNvGrpSpPr/>
-        <p:nvPr/>
-      </p:nvGrpSpPr>
-      <p:grpSpPr>
-        <a:xfrm>
-          <a:off x="0" y="0"/>
-          <a:ext cx="0" cy="0"/>
-          <a:chOff x="0" y="0"/>
-          <a:chExt cx="0" cy="0"/>
-        </a:xfrm>
-      </p:grpSpPr>
-      <p:sp>
-        <p:nvSpPr>
-          <p:cNvPr id="2" name="Title 1"/>
-          <p:cNvSpPr>
-            <a:spLocks noGrp="1"/>
-          </p:cNvSpPr>
-          <p:nvPr>
-            <p:ph type="title"/>
-          </p:nvPr>
-        </p:nvSpPr>
-        <p:spPr/>
-        <p:txBody>
-          <a:bodyPr/>
-          <a:lstStyle/>
-          <a:p>
-            <a:endParaRPr lang="en-US"/>
-          </a:p>
-        </p:txBody>
-      </p:sp>
-      <p:sp>
-        <p:nvSpPr>
-          <p:cNvPr id="3" name="Content Placeholder 2"/>
-          <p:cNvSpPr>
-            <a:spLocks noGrp="1"/>
-          </p:cNvSpPr>
-          <p:nvPr>
-            <p:ph idx="1"/>
-          </p:nvPr>
-        </p:nvSpPr>
-        <p:spPr/>
-        <p:txBody>
-          <a:bodyPr/>
-          <a:lstStyle/>
-          <a:p>
-            <a:pPr>
-              <a:buNone/>
-            </a:pPr>
-            <a:endParaRPr lang="en-US" dirty="0" smtClean="0"/>
-          </a:p>
-          <a:p>
-            <a:pPr>
-              <a:buNone/>
-            </a:pPr>
-            <a:endParaRPr lang="en-US" dirty="0" smtClean="0"/>
-          </a:p>
-          <a:p>
-            <a:pPr algn="ctr">
-              <a:buNone/>
-            </a:pPr>
-            <a:r>
-              <a:rPr lang="en-US" dirty="0" smtClean="0"/>
-              <a:t>Storing data in the database in an easy manner is great and all, but what about getting it out again?</a:t>
-            </a:r>
-          </a:p>
-          <a:p>
-            <a:pPr>
-              <a:buNone/>
-            </a:pPr>
-            <a:endParaRPr lang="en-US" dirty="0"/>
-          </a:p>
-        </p:txBody>
-      </p:sp>
-    </p:spTree>
-  </p:cSld>
-  <p:clrMapOvr>
-    <a:masterClrMapping/>
-  </p:clrMapOvr>
-  <p:transition advTm="12203"/>
-  <p:timing>
-    <p:tnLst>
-      <p:par>
-        <p:cTn id="1" dur="indefinite" restart="never" nodeType="tmRoot"/>
-      </p:par>
-    </p:tnLst>
-  </p:timing>
-</p:sld>
-</file>
-
-<file path=ppt/slides/slide35.xml><?xml version="1.0" encoding="utf-8"?>
-<p:sld xmlns:a="http://schemas.openxmlformats.org/drawingml/2006/main" xmlns:r="http://schemas.openxmlformats.org/officeDocument/2006/relationships" xmlns:p="http://schemas.openxmlformats.org/presentationml/2006/main">
-  <p:cSld>
-    <p:spTree>
-      <p:nvGrpSpPr>
-        <p:cNvPr id="1" name=""/>
-        <p:cNvGrpSpPr/>
-        <p:nvPr/>
-      </p:nvGrpSpPr>
-      <p:grpSpPr>
-        <a:xfrm>
-          <a:off x="0" y="0"/>
-          <a:ext cx="0" cy="0"/>
-          <a:chOff x="0" y="0"/>
-          <a:chExt cx="0" cy="0"/>
-        </a:xfrm>
-      </p:grpSpPr>
-      <p:sp>
-        <p:nvSpPr>
-          <p:cNvPr id="2" name="Title 1"/>
-          <p:cNvSpPr>
-            <a:spLocks noGrp="1"/>
-          </p:cNvSpPr>
-          <p:nvPr>
-            <p:ph type="title"/>
-          </p:nvPr>
-        </p:nvSpPr>
-        <p:spPr/>
-        <p:txBody>
-          <a:bodyPr/>
-          <a:lstStyle/>
-          <a:p>
-            <a:endParaRPr lang="en-US" dirty="0"/>
-          </a:p>
-        </p:txBody>
-      </p:sp>
-      <p:sp>
-        <p:nvSpPr>
-          <p:cNvPr id="3" name="Content Placeholder 2"/>
-          <p:cNvSpPr>
-            <a:spLocks noGrp="1"/>
-          </p:cNvSpPr>
-          <p:nvPr>
-            <p:ph idx="1"/>
-          </p:nvPr>
-        </p:nvSpPr>
-        <p:spPr/>
-        <p:txBody>
-          <a:bodyPr/>
-          <a:lstStyle/>
-          <a:p>
-            <a:pPr>
-              <a:buNone/>
-            </a:pPr>
-            <a:endParaRPr lang="en-US" dirty="0"/>
-          </a:p>
-          <a:p>
-            <a:pPr>
-              <a:buNone/>
-            </a:pPr>
-            <a:endParaRPr lang="en-US" dirty="0" smtClean="0"/>
-          </a:p>
-          <a:p>
-            <a:pPr algn="ctr">
-              <a:buNone/>
-            </a:pPr>
-            <a:r>
-              <a:rPr lang="en-US" sz="4400" dirty="0" smtClean="0"/>
-              <a:t>Querying with </a:t>
-            </a:r>
-            <a:r>
-              <a:rPr lang="en-US" sz="4400" dirty="0" err="1" smtClean="0"/>
-              <a:t>NHibernate</a:t>
-            </a:r>
-            <a:endParaRPr lang="en-US" sz="4400" dirty="0"/>
-          </a:p>
-        </p:txBody>
-      </p:sp>
-    </p:spTree>
-  </p:cSld>
-  <p:clrMapOvr>
-    <a:masterClrMapping/>
-  </p:clrMapOvr>
-  <p:transition advTm="0"/>
-  <p:timing>
-    <p:tnLst>
-      <p:par>
-        <p:cTn id="1" dur="indefinite" restart="never" nodeType="tmRoot"/>
-      </p:par>
-    </p:tnLst>
-  </p:timing>
-</p:sld>
-</file>
-
-<file path=ppt/slides/slide36.xml><?xml version="1.0" encoding="utf-8"?>
-<p:sld xmlns:a="http://schemas.openxmlformats.org/drawingml/2006/main" xmlns:r="http://schemas.openxmlformats.org/officeDocument/2006/relationships" xmlns:p="http://schemas.openxmlformats.org/presentationml/2006/main">
-  <p:cSld>
-    <p:spTree>
-      <p:nvGrpSpPr>
-        <p:cNvPr id="1" name=""/>
-        <p:cNvGrpSpPr/>
-        <p:nvPr/>
-      </p:nvGrpSpPr>
-      <p:grpSpPr>
-        <a:xfrm>
-          <a:off x="0" y="0"/>
-          <a:ext cx="0" cy="0"/>
-          <a:chOff x="0" y="0"/>
-          <a:chExt cx="0" cy="0"/>
-        </a:xfrm>
-      </p:grpSpPr>
-      <p:sp>
-        <p:nvSpPr>
-          <p:cNvPr id="2" name="Title 1"/>
-          <p:cNvSpPr>
-            <a:spLocks noGrp="1"/>
-          </p:cNvSpPr>
-          <p:nvPr>
-            <p:ph type="title"/>
-          </p:nvPr>
-        </p:nvSpPr>
-        <p:spPr/>
-        <p:txBody>
-          <a:bodyPr/>
-          <a:lstStyle/>
-          <a:p>
-            <a:endParaRPr lang="en-US"/>
-          </a:p>
-        </p:txBody>
-      </p:sp>
-      <p:sp>
-        <p:nvSpPr>
-          <p:cNvPr id="3" name="Content Placeholder 2"/>
-          <p:cNvSpPr>
-            <a:spLocks noGrp="1"/>
-          </p:cNvSpPr>
-          <p:nvPr>
-            <p:ph idx="1"/>
-          </p:nvPr>
-        </p:nvSpPr>
-        <p:spPr/>
-        <p:txBody>
-          <a:bodyPr/>
-          <a:lstStyle/>
-          <a:p>
-            <a:pPr>
-              <a:buNone/>
-            </a:pPr>
-            <a:endParaRPr lang="en-US" dirty="0" smtClean="0"/>
-          </a:p>
-          <a:p>
-            <a:pPr>
-              <a:buNone/>
-            </a:pPr>
-            <a:endParaRPr lang="en-US" dirty="0" smtClean="0"/>
-          </a:p>
-          <a:p>
-            <a:pPr algn="ctr">
-              <a:buNone/>
-            </a:pPr>
-            <a:r>
-              <a:rPr lang="en-US" dirty="0" smtClean="0"/>
-              <a:t>Hibernate Query </a:t>
-            </a:r>
-            <a:r>
-              <a:rPr lang="en-US" dirty="0" smtClean="0"/>
-              <a:t>Language (HQL)</a:t>
-            </a:r>
-            <a:endParaRPr lang="en-US" dirty="0"/>
-          </a:p>
-        </p:txBody>
-      </p:sp>
-    </p:spTree>
-  </p:cSld>
-  <p:clrMapOvr>
-    <a:masterClrMapping/>
-  </p:clrMapOvr>
-  <p:transition advTm="20640"/>
-  <p:timing>
-    <p:tnLst>
-      <p:par>
-        <p:cTn id="1" dur="indefinite" restart="never" nodeType="tmRoot"/>
-      </p:par>
-    </p:tnLst>
-  </p:timing>
-</p:sld>
-</file>
-
-<file path=ppt/slides/slide37.xml><?xml version="1.0" encoding="utf-8"?>
-<p:sld xmlns:a="http://schemas.openxmlformats.org/drawingml/2006/main" xmlns:r="http://schemas.openxmlformats.org/officeDocument/2006/relationships" xmlns:p="http://schemas.openxmlformats.org/presentationml/2006/main">
-  <p:cSld>
-    <p:spTree>
-      <p:nvGrpSpPr>
-        <p:cNvPr id="1" name=""/>
-        <p:cNvGrpSpPr/>
-        <p:nvPr/>
-      </p:nvGrpSpPr>
-      <p:grpSpPr>
-        <a:xfrm>
-          <a:off x="0" y="0"/>
-          <a:ext cx="0" cy="0"/>
-          <a:chOff x="0" y="0"/>
-          <a:chExt cx="0" cy="0"/>
-        </a:xfrm>
-      </p:grpSpPr>
-      <p:sp>
-        <p:nvSpPr>
-          <p:cNvPr id="2" name="Title 1"/>
-          <p:cNvSpPr>
-            <a:spLocks noGrp="1"/>
-          </p:cNvSpPr>
-          <p:nvPr>
-            <p:ph type="title"/>
-          </p:nvPr>
-        </p:nvSpPr>
-        <p:spPr/>
-        <p:txBody>
-          <a:bodyPr/>
-          <a:lstStyle/>
-          <a:p>
-            <a:endParaRPr lang="en-US"/>
-          </a:p>
-        </p:txBody>
-      </p:sp>
-      <p:sp>
-        <p:nvSpPr>
-          <p:cNvPr id="3" name="Content Placeholder 2"/>
-          <p:cNvSpPr>
-            <a:spLocks noGrp="1"/>
-          </p:cNvSpPr>
-          <p:nvPr>
-            <p:ph idx="1"/>
-          </p:nvPr>
-        </p:nvSpPr>
-        <p:spPr/>
-        <p:txBody>
-          <a:bodyPr/>
-          <a:lstStyle/>
-          <a:p>
-            <a:pPr>
-              <a:buNone/>
-            </a:pPr>
-            <a:endParaRPr lang="en-US" dirty="0" smtClean="0"/>
-          </a:p>
-          <a:p>
-            <a:pPr>
-              <a:buNone/>
-            </a:pPr>
-            <a:endParaRPr lang="en-US" dirty="0" smtClean="0"/>
-          </a:p>
-          <a:p>
-            <a:pPr algn="ctr">
-              <a:buNone/>
-            </a:pPr>
-            <a:r>
-              <a:rPr lang="en-US" dirty="0" smtClean="0"/>
-              <a:t>It’s an Object Oriented query language</a:t>
-            </a:r>
-            <a:endParaRPr lang="en-US" dirty="0"/>
-          </a:p>
-        </p:txBody>
-      </p:sp>
-    </p:spTree>
-  </p:cSld>
-  <p:clrMapOvr>
-    <a:masterClrMapping/>
-  </p:clrMapOvr>
-  <p:transition advTm="22359"/>
-  <p:timing>
-    <p:tnLst>
-      <p:par>
-        <p:cTn id="1" dur="indefinite" restart="never" nodeType="tmRoot"/>
-      </p:par>
-    </p:tnLst>
-  </p:timing>
-</p:sld>
-</file>
-
-<file path=ppt/slides/slide38.xml><?xml version="1.0" encoding="utf-8"?>
-<p:sld xmlns:a="http://schemas.openxmlformats.org/drawingml/2006/main" xmlns:r="http://schemas.openxmlformats.org/officeDocument/2006/relationships" xmlns:p="http://schemas.openxmlformats.org/presentationml/2006/main">
-  <p:cSld>
-    <p:spTree>
-      <p:nvGrpSpPr>
-        <p:cNvPr id="1" name=""/>
-        <p:cNvGrpSpPr/>
-        <p:nvPr/>
-      </p:nvGrpSpPr>
-      <p:grpSpPr>
-        <a:xfrm>
-          <a:off x="0" y="0"/>
-          <a:ext cx="0" cy="0"/>
-          <a:chOff x="0" y="0"/>
-          <a:chExt cx="0" cy="0"/>
-        </a:xfrm>
-      </p:grpSpPr>
-      <p:sp>
-        <p:nvSpPr>
-          <p:cNvPr id="2" name="Title 1"/>
-          <p:cNvSpPr>
-            <a:spLocks noGrp="1"/>
-          </p:cNvSpPr>
-          <p:nvPr>
-            <p:ph type="title"/>
-          </p:nvPr>
-        </p:nvSpPr>
-        <p:spPr/>
-        <p:txBody>
-          <a:bodyPr/>
-          <a:lstStyle/>
-          <a:p>
-            <a:endParaRPr lang="en-US"/>
-          </a:p>
-        </p:txBody>
-      </p:sp>
-      <p:sp>
-        <p:nvSpPr>
-          <p:cNvPr id="3" name="Content Placeholder 2"/>
-          <p:cNvSpPr>
-            <a:spLocks noGrp="1"/>
-          </p:cNvSpPr>
-          <p:nvPr>
-            <p:ph idx="1"/>
-          </p:nvPr>
-        </p:nvSpPr>
-        <p:spPr/>
-        <p:txBody>
-          <a:bodyPr/>
-          <a:lstStyle/>
-          <a:p>
-            <a:pPr>
-              <a:buNone/>
-            </a:pPr>
-            <a:endParaRPr lang="en-US" dirty="0" smtClean="0"/>
-          </a:p>
-          <a:p>
-            <a:pPr>
-              <a:buNone/>
-            </a:pPr>
-            <a:endParaRPr lang="en-US" dirty="0" smtClean="0"/>
-          </a:p>
-          <a:p>
-            <a:pPr algn="ctr">
-              <a:buNone/>
-            </a:pPr>
-            <a:r>
-              <a:rPr lang="en-US" dirty="0" smtClean="0"/>
-              <a:t>Criteria API</a:t>
-            </a:r>
-            <a:endParaRPr lang="en-US" dirty="0"/>
-          </a:p>
-        </p:txBody>
-      </p:sp>
-    </p:spTree>
-  </p:cSld>
-  <p:clrMapOvr>
-    <a:masterClrMapping/>
-  </p:clrMapOvr>
-  <p:transition advTm="14484"/>
-  <p:timing>
-    <p:tnLst>
-      <p:par>
-        <p:cTn id="1" dur="indefinite" restart="never" nodeType="tmRoot"/>
-      </p:par>
-    </p:tnLst>
-  </p:timing>
-</p:sld>
-</file>
-
-<file path=ppt/slides/slide39.xml><?xml version="1.0" encoding="utf-8"?>
-<p:sld xmlns:a="http://schemas.openxmlformats.org/drawingml/2006/main" xmlns:r="http://schemas.openxmlformats.org/officeDocument/2006/relationships" xmlns:p="http://schemas.openxmlformats.org/presentationml/2006/main">
-  <p:cSld>
-    <p:spTree>
-      <p:nvGrpSpPr>
-        <p:cNvPr id="1" name=""/>
-        <p:cNvGrpSpPr/>
-        <p:nvPr/>
-      </p:nvGrpSpPr>
-      <p:grpSpPr>
-        <a:xfrm>
-          <a:off x="0" y="0"/>
-          <a:ext cx="0" cy="0"/>
-          <a:chOff x="0" y="0"/>
-          <a:chExt cx="0" cy="0"/>
-        </a:xfrm>
-      </p:grpSpPr>
-      <p:sp>
-        <p:nvSpPr>
-          <p:cNvPr id="2" name="Title 1"/>
-          <p:cNvSpPr>
-            <a:spLocks noGrp="1"/>
-          </p:cNvSpPr>
-          <p:nvPr>
-            <p:ph type="title"/>
-          </p:nvPr>
-        </p:nvSpPr>
-        <p:spPr/>
-        <p:txBody>
-          <a:bodyPr/>
-          <a:lstStyle/>
-          <a:p>
-            <a:endParaRPr lang="en-US"/>
-          </a:p>
-        </p:txBody>
-      </p:sp>
-      <p:sp>
-        <p:nvSpPr>
-          <p:cNvPr id="3" name="Content Placeholder 2"/>
-          <p:cNvSpPr>
-            <a:spLocks noGrp="1"/>
-          </p:cNvSpPr>
-          <p:nvPr>
-            <p:ph idx="1"/>
-          </p:nvPr>
-        </p:nvSpPr>
-        <p:spPr/>
-        <p:txBody>
-          <a:bodyPr/>
-          <a:lstStyle/>
-          <a:p>
-            <a:pPr>
-              <a:buNone/>
-            </a:pPr>
-            <a:endParaRPr lang="en-US" dirty="0" smtClean="0"/>
-          </a:p>
-          <a:p>
-            <a:pPr>
-              <a:buNone/>
-            </a:pPr>
-            <a:endParaRPr lang="en-US" dirty="0" smtClean="0"/>
-          </a:p>
-          <a:p>
-            <a:pPr algn="ctr">
-              <a:buNone/>
-            </a:pPr>
-            <a:r>
-              <a:rPr lang="en-US" dirty="0" smtClean="0"/>
-              <a:t>Makes it easier to compose queries dynamically from code.  </a:t>
-            </a:r>
-            <a:endParaRPr lang="en-US" dirty="0"/>
-          </a:p>
-        </p:txBody>
-      </p:sp>
-    </p:spTree>
-  </p:cSld>
-  <p:clrMapOvr>
-    <a:masterClrMapping/>
-  </p:clrMapOvr>
-  <p:transition advTm="15281"/>
-  <p:timing>
-    <p:tnLst>
-      <p:par>
-        <p:cTn id="1" dur="indefinite" restart="never" nodeType="tmRoot"/>
-      </p:par>
-    </p:tnLst>
-  </p:timing>
-</p:sld>
-</file>
-
 <file path=ppt/slides/slide4.xml><?xml version="1.0" encoding="utf-8"?>
 <p:sld xmlns:a="http://schemas.openxmlformats.org/drawingml/2006/main" xmlns:r="http://schemas.openxmlformats.org/officeDocument/2006/relationships" xmlns:p="http://schemas.openxmlformats.org/presentationml/2006/main">
   <p:cSld>
@@ -6321,930 +5337,6 @@
     <a:masterClrMapping/>
   </p:clrMapOvr>
   <p:transition advTm="17954"/>
-  <p:timing>
-    <p:tnLst>
-      <p:par>
-        <p:cTn id="1" dur="indefinite" restart="never" nodeType="tmRoot"/>
-      </p:par>
-    </p:tnLst>
-  </p:timing>
-</p:sld>
-</file>
-
-<file path=ppt/slides/slide40.xml><?xml version="1.0" encoding="utf-8"?>
-<p:sld xmlns:a="http://schemas.openxmlformats.org/drawingml/2006/main" xmlns:r="http://schemas.openxmlformats.org/officeDocument/2006/relationships" xmlns:p="http://schemas.openxmlformats.org/presentationml/2006/main">
-  <p:cSld>
-    <p:spTree>
-      <p:nvGrpSpPr>
-        <p:cNvPr id="1" name=""/>
-        <p:cNvGrpSpPr/>
-        <p:nvPr/>
-      </p:nvGrpSpPr>
-      <p:grpSpPr>
-        <a:xfrm>
-          <a:off x="0" y="0"/>
-          <a:ext cx="0" cy="0"/>
-          <a:chOff x="0" y="0"/>
-          <a:chExt cx="0" cy="0"/>
-        </a:xfrm>
-      </p:grpSpPr>
-      <p:sp>
-        <p:nvSpPr>
-          <p:cNvPr id="2" name="Title 1"/>
-          <p:cNvSpPr>
-            <a:spLocks noGrp="1"/>
-          </p:cNvSpPr>
-          <p:nvPr>
-            <p:ph type="title"/>
-          </p:nvPr>
-        </p:nvSpPr>
-        <p:spPr/>
-        <p:txBody>
-          <a:bodyPr/>
-          <a:lstStyle/>
-          <a:p>
-            <a:endParaRPr lang="en-US"/>
-          </a:p>
-        </p:txBody>
-      </p:sp>
-      <p:sp>
-        <p:nvSpPr>
-          <p:cNvPr id="3" name="Content Placeholder 2"/>
-          <p:cNvSpPr>
-            <a:spLocks noGrp="1"/>
-          </p:cNvSpPr>
-          <p:nvPr>
-            <p:ph idx="1"/>
-          </p:nvPr>
-        </p:nvSpPr>
-        <p:spPr/>
-        <p:txBody>
-          <a:bodyPr/>
-          <a:lstStyle/>
-          <a:p>
-            <a:pPr>
-              <a:buNone/>
-            </a:pPr>
-            <a:endParaRPr lang="en-US" dirty="0" smtClean="0"/>
-          </a:p>
-          <a:p>
-            <a:pPr>
-              <a:buNone/>
-            </a:pPr>
-            <a:endParaRPr lang="en-US" dirty="0" smtClean="0"/>
-          </a:p>
-          <a:p>
-            <a:pPr algn="ctr">
-              <a:buNone/>
-            </a:pPr>
-            <a:r>
-              <a:rPr lang="en-US" dirty="0" smtClean="0"/>
-              <a:t>LINQ… still not fully supported</a:t>
-            </a:r>
-          </a:p>
-        </p:txBody>
-      </p:sp>
-    </p:spTree>
-  </p:cSld>
-  <p:clrMapOvr>
-    <a:masterClrMapping/>
-  </p:clrMapOvr>
-  <p:transition advTm="28640"/>
-  <p:timing>
-    <p:tnLst>
-      <p:par>
-        <p:cTn id="1" dur="indefinite" restart="never" nodeType="tmRoot"/>
-      </p:par>
-    </p:tnLst>
-  </p:timing>
-</p:sld>
-</file>
-
-<file path=ppt/slides/slide41.xml><?xml version="1.0" encoding="utf-8"?>
-<p:sld xmlns:a="http://schemas.openxmlformats.org/drawingml/2006/main" xmlns:r="http://schemas.openxmlformats.org/officeDocument/2006/relationships" xmlns:p="http://schemas.openxmlformats.org/presentationml/2006/main">
-  <p:cSld>
-    <p:spTree>
-      <p:nvGrpSpPr>
-        <p:cNvPr id="1" name=""/>
-        <p:cNvGrpSpPr/>
-        <p:nvPr/>
-      </p:nvGrpSpPr>
-      <p:grpSpPr>
-        <a:xfrm>
-          <a:off x="0" y="0"/>
-          <a:ext cx="0" cy="0"/>
-          <a:chOff x="0" y="0"/>
-          <a:chExt cx="0" cy="0"/>
-        </a:xfrm>
-      </p:grpSpPr>
-      <p:sp>
-        <p:nvSpPr>
-          <p:cNvPr id="2" name="Title 1"/>
-          <p:cNvSpPr>
-            <a:spLocks noGrp="1"/>
-          </p:cNvSpPr>
-          <p:nvPr>
-            <p:ph type="title"/>
-          </p:nvPr>
-        </p:nvSpPr>
-        <p:spPr/>
-        <p:txBody>
-          <a:bodyPr/>
-          <a:lstStyle/>
-          <a:p>
-            <a:endParaRPr lang="en-US"/>
-          </a:p>
-        </p:txBody>
-      </p:sp>
-      <p:sp>
-        <p:nvSpPr>
-          <p:cNvPr id="3" name="Content Placeholder 2"/>
-          <p:cNvSpPr>
-            <a:spLocks noGrp="1"/>
-          </p:cNvSpPr>
-          <p:nvPr>
-            <p:ph idx="1"/>
-          </p:nvPr>
-        </p:nvSpPr>
-        <p:spPr/>
-        <p:txBody>
-          <a:bodyPr/>
-          <a:lstStyle/>
-          <a:p>
-            <a:pPr>
-              <a:buNone/>
-            </a:pPr>
-            <a:endParaRPr lang="en-US" dirty="0" smtClean="0"/>
-          </a:p>
-          <a:p>
-            <a:pPr>
-              <a:buNone/>
-            </a:pPr>
-            <a:endParaRPr lang="en-US" dirty="0" smtClean="0"/>
-          </a:p>
-          <a:p>
-            <a:pPr algn="ctr">
-              <a:buNone/>
-            </a:pPr>
-            <a:r>
-              <a:rPr lang="en-US" dirty="0" smtClean="0"/>
-              <a:t>Wouldn’t it be great if we could execute multiple queries in only one database roundtrip?</a:t>
-            </a:r>
-            <a:endParaRPr lang="en-US" dirty="0"/>
-          </a:p>
-        </p:txBody>
-      </p:sp>
-    </p:spTree>
-  </p:cSld>
-  <p:clrMapOvr>
-    <a:masterClrMapping/>
-  </p:clrMapOvr>
-  <p:transition advTm="45000"/>
-  <p:timing>
-    <p:tnLst>
-      <p:par>
-        <p:cTn id="1" dur="indefinite" restart="never" nodeType="tmRoot"/>
-      </p:par>
-    </p:tnLst>
-  </p:timing>
-</p:sld>
-</file>
-
-<file path=ppt/slides/slide42.xml><?xml version="1.0" encoding="utf-8"?>
-<p:sld xmlns:a="http://schemas.openxmlformats.org/drawingml/2006/main" xmlns:r="http://schemas.openxmlformats.org/officeDocument/2006/relationships" xmlns:p="http://schemas.openxmlformats.org/presentationml/2006/main">
-  <p:cSld>
-    <p:spTree>
-      <p:nvGrpSpPr>
-        <p:cNvPr id="1" name=""/>
-        <p:cNvGrpSpPr/>
-        <p:nvPr/>
-      </p:nvGrpSpPr>
-      <p:grpSpPr>
-        <a:xfrm>
-          <a:off x="0" y="0"/>
-          <a:ext cx="0" cy="0"/>
-          <a:chOff x="0" y="0"/>
-          <a:chExt cx="0" cy="0"/>
-        </a:xfrm>
-      </p:grpSpPr>
-      <p:sp>
-        <p:nvSpPr>
-          <p:cNvPr id="2" name="Title 1"/>
-          <p:cNvSpPr>
-            <a:spLocks noGrp="1"/>
-          </p:cNvSpPr>
-          <p:nvPr>
-            <p:ph type="title"/>
-          </p:nvPr>
-        </p:nvSpPr>
-        <p:spPr/>
-        <p:txBody>
-          <a:bodyPr/>
-          <a:lstStyle/>
-          <a:p>
-            <a:endParaRPr lang="en-US"/>
-          </a:p>
-        </p:txBody>
-      </p:sp>
-      <p:sp>
-        <p:nvSpPr>
-          <p:cNvPr id="3" name="Content Placeholder 2"/>
-          <p:cNvSpPr>
-            <a:spLocks noGrp="1"/>
-          </p:cNvSpPr>
-          <p:nvPr>
-            <p:ph idx="1"/>
-          </p:nvPr>
-        </p:nvSpPr>
-        <p:spPr/>
-        <p:txBody>
-          <a:bodyPr/>
-          <a:lstStyle/>
-          <a:p>
-            <a:pPr>
-              <a:buNone/>
-            </a:pPr>
-            <a:endParaRPr lang="en-US" dirty="0" smtClean="0"/>
-          </a:p>
-          <a:p>
-            <a:pPr>
-              <a:buNone/>
-            </a:pPr>
-            <a:endParaRPr lang="en-US" dirty="0" smtClean="0"/>
-          </a:p>
-          <a:p>
-            <a:pPr algn="ctr">
-              <a:buNone/>
-            </a:pPr>
-            <a:r>
-              <a:rPr lang="en-US" sz="4400" dirty="0" smtClean="0"/>
-              <a:t>Future Queries</a:t>
-            </a:r>
-            <a:endParaRPr lang="en-US" sz="4400" dirty="0"/>
-          </a:p>
-        </p:txBody>
-      </p:sp>
-    </p:spTree>
-  </p:cSld>
-  <p:clrMapOvr>
-    <a:masterClrMapping/>
-  </p:clrMapOvr>
-  <p:transition advTm="51359"/>
-  <p:timing>
-    <p:tnLst>
-      <p:par>
-        <p:cTn id="1" dur="indefinite" restart="never" nodeType="tmRoot"/>
-      </p:par>
-    </p:tnLst>
-  </p:timing>
-</p:sld>
-</file>
-
-<file path=ppt/slides/slide43.xml><?xml version="1.0" encoding="utf-8"?>
-<p:sld xmlns:a="http://schemas.openxmlformats.org/drawingml/2006/main" xmlns:r="http://schemas.openxmlformats.org/officeDocument/2006/relationships" xmlns:p="http://schemas.openxmlformats.org/presentationml/2006/main">
-  <p:cSld>
-    <p:spTree>
-      <p:nvGrpSpPr>
-        <p:cNvPr id="1" name=""/>
-        <p:cNvGrpSpPr/>
-        <p:nvPr/>
-      </p:nvGrpSpPr>
-      <p:grpSpPr>
-        <a:xfrm>
-          <a:off x="0" y="0"/>
-          <a:ext cx="0" cy="0"/>
-          <a:chOff x="0" y="0"/>
-          <a:chExt cx="0" cy="0"/>
-        </a:xfrm>
-      </p:grpSpPr>
-      <p:sp>
-        <p:nvSpPr>
-          <p:cNvPr id="2" name="Title 1"/>
-          <p:cNvSpPr>
-            <a:spLocks noGrp="1"/>
-          </p:cNvSpPr>
-          <p:nvPr>
-            <p:ph type="title"/>
-          </p:nvPr>
-        </p:nvSpPr>
-        <p:spPr/>
-        <p:txBody>
-          <a:bodyPr/>
-          <a:lstStyle/>
-          <a:p>
-            <a:endParaRPr lang="en-US"/>
-          </a:p>
-        </p:txBody>
-      </p:sp>
-      <p:sp>
-        <p:nvSpPr>
-          <p:cNvPr id="3" name="Content Placeholder 2"/>
-          <p:cNvSpPr>
-            <a:spLocks noGrp="1"/>
-          </p:cNvSpPr>
-          <p:nvPr>
-            <p:ph idx="1"/>
-          </p:nvPr>
-        </p:nvSpPr>
-        <p:spPr/>
-        <p:txBody>
-          <a:bodyPr/>
-          <a:lstStyle/>
-          <a:p>
-            <a:pPr>
-              <a:buNone/>
-            </a:pPr>
-            <a:endParaRPr lang="en-US" dirty="0" smtClean="0"/>
-          </a:p>
-          <a:p>
-            <a:pPr>
-              <a:buNone/>
-            </a:pPr>
-            <a:endParaRPr lang="en-US" dirty="0" smtClean="0"/>
-          </a:p>
-          <a:p>
-            <a:pPr algn="ctr">
-              <a:buNone/>
-            </a:pPr>
-            <a:r>
-              <a:rPr lang="en-US" dirty="0" smtClean="0"/>
-              <a:t>Can we efficiently update multiple records in one roundtrip as well?</a:t>
-            </a:r>
-            <a:endParaRPr lang="en-US" dirty="0"/>
-          </a:p>
-        </p:txBody>
-      </p:sp>
-    </p:spTree>
-  </p:cSld>
-  <p:clrMapOvr>
-    <a:masterClrMapping/>
-  </p:clrMapOvr>
-  <p:transition advTm="27250"/>
-  <p:timing>
-    <p:tnLst>
-      <p:par>
-        <p:cTn id="1" dur="indefinite" restart="never" nodeType="tmRoot"/>
-      </p:par>
-    </p:tnLst>
-  </p:timing>
-</p:sld>
-</file>
-
-<file path=ppt/slides/slide44.xml><?xml version="1.0" encoding="utf-8"?>
-<p:sld xmlns:a="http://schemas.openxmlformats.org/drawingml/2006/main" xmlns:r="http://schemas.openxmlformats.org/officeDocument/2006/relationships" xmlns:p="http://schemas.openxmlformats.org/presentationml/2006/main">
-  <p:cSld>
-    <p:spTree>
-      <p:nvGrpSpPr>
-        <p:cNvPr id="1" name=""/>
-        <p:cNvGrpSpPr/>
-        <p:nvPr/>
-      </p:nvGrpSpPr>
-      <p:grpSpPr>
-        <a:xfrm>
-          <a:off x="0" y="0"/>
-          <a:ext cx="0" cy="0"/>
-          <a:chOff x="0" y="0"/>
-          <a:chExt cx="0" cy="0"/>
-        </a:xfrm>
-      </p:grpSpPr>
-      <p:sp>
-        <p:nvSpPr>
-          <p:cNvPr id="2" name="Title 1"/>
-          <p:cNvSpPr>
-            <a:spLocks noGrp="1"/>
-          </p:cNvSpPr>
-          <p:nvPr>
-            <p:ph type="title"/>
-          </p:nvPr>
-        </p:nvSpPr>
-        <p:spPr/>
-        <p:txBody>
-          <a:bodyPr/>
-          <a:lstStyle/>
-          <a:p>
-            <a:endParaRPr lang="en-US" dirty="0"/>
-          </a:p>
-        </p:txBody>
-      </p:sp>
-      <p:sp>
-        <p:nvSpPr>
-          <p:cNvPr id="3" name="Content Placeholder 2"/>
-          <p:cNvSpPr>
-            <a:spLocks noGrp="1"/>
-          </p:cNvSpPr>
-          <p:nvPr>
-            <p:ph idx="1"/>
-          </p:nvPr>
-        </p:nvSpPr>
-        <p:spPr/>
-        <p:txBody>
-          <a:bodyPr/>
-          <a:lstStyle/>
-          <a:p>
-            <a:pPr>
-              <a:buNone/>
-            </a:pPr>
-            <a:endParaRPr lang="en-US" dirty="0" smtClean="0"/>
-          </a:p>
-          <a:p>
-            <a:pPr>
-              <a:buNone/>
-            </a:pPr>
-            <a:endParaRPr lang="en-US" dirty="0" smtClean="0"/>
-          </a:p>
-          <a:p>
-            <a:pPr algn="ctr">
-              <a:buNone/>
-            </a:pPr>
-            <a:r>
-              <a:rPr lang="en-US" dirty="0" smtClean="0"/>
-              <a:t>As of </a:t>
-            </a:r>
-            <a:r>
-              <a:rPr lang="en-US" dirty="0" err="1" smtClean="0"/>
-              <a:t>NHibernate</a:t>
-            </a:r>
-            <a:r>
-              <a:rPr lang="en-US" dirty="0" smtClean="0"/>
-              <a:t> 2.1, we can do this with some new HQL statements</a:t>
-            </a:r>
-            <a:endParaRPr lang="en-US" dirty="0"/>
-          </a:p>
-        </p:txBody>
-      </p:sp>
-    </p:spTree>
-  </p:cSld>
-  <p:clrMapOvr>
-    <a:masterClrMapping/>
-  </p:clrMapOvr>
-  <p:transition advTm="16156"/>
-  <p:timing>
-    <p:tnLst>
-      <p:par>
-        <p:cTn id="1" dur="indefinite" restart="never" nodeType="tmRoot"/>
-      </p:par>
-    </p:tnLst>
-  </p:timing>
-</p:sld>
-</file>
-
-<file path=ppt/slides/slide45.xml><?xml version="1.0" encoding="utf-8"?>
-<p:sld xmlns:a="http://schemas.openxmlformats.org/drawingml/2006/main" xmlns:r="http://schemas.openxmlformats.org/officeDocument/2006/relationships" xmlns:p="http://schemas.openxmlformats.org/presentationml/2006/main">
-  <p:cSld>
-    <p:spTree>
-      <p:nvGrpSpPr>
-        <p:cNvPr id="1" name=""/>
-        <p:cNvGrpSpPr/>
-        <p:nvPr/>
-      </p:nvGrpSpPr>
-      <p:grpSpPr>
-        <a:xfrm>
-          <a:off x="0" y="0"/>
-          <a:ext cx="0" cy="0"/>
-          <a:chOff x="0" y="0"/>
-          <a:chExt cx="0" cy="0"/>
-        </a:xfrm>
-      </p:grpSpPr>
-      <p:sp>
-        <p:nvSpPr>
-          <p:cNvPr id="2" name="Title 1"/>
-          <p:cNvSpPr>
-            <a:spLocks noGrp="1"/>
-          </p:cNvSpPr>
-          <p:nvPr>
-            <p:ph type="title"/>
-          </p:nvPr>
-        </p:nvSpPr>
-        <p:spPr/>
-        <p:txBody>
-          <a:bodyPr/>
-          <a:lstStyle/>
-          <a:p>
-            <a:endParaRPr lang="en-US"/>
-          </a:p>
-        </p:txBody>
-      </p:sp>
-      <p:sp>
-        <p:nvSpPr>
-          <p:cNvPr id="3" name="Content Placeholder 2"/>
-          <p:cNvSpPr>
-            <a:spLocks noGrp="1"/>
-          </p:cNvSpPr>
-          <p:nvPr>
-            <p:ph idx="1"/>
-          </p:nvPr>
-        </p:nvSpPr>
-        <p:spPr/>
-        <p:txBody>
-          <a:bodyPr/>
-          <a:lstStyle/>
-          <a:p>
-            <a:pPr>
-              <a:buNone/>
-            </a:pPr>
-            <a:endParaRPr lang="en-US" dirty="0" smtClean="0"/>
-          </a:p>
-          <a:p>
-            <a:pPr>
-              <a:buNone/>
-            </a:pPr>
-            <a:endParaRPr lang="en-US" dirty="0" smtClean="0"/>
-          </a:p>
-          <a:p>
-            <a:pPr algn="ctr">
-              <a:buNone/>
-            </a:pPr>
-            <a:r>
-              <a:rPr lang="en-US" sz="4400" dirty="0" smtClean="0"/>
-              <a:t>Data Modification With HQL</a:t>
-            </a:r>
-            <a:endParaRPr lang="en-US" sz="4400" dirty="0"/>
-          </a:p>
-        </p:txBody>
-      </p:sp>
-    </p:spTree>
-  </p:cSld>
-  <p:clrMapOvr>
-    <a:masterClrMapping/>
-  </p:clrMapOvr>
-  <p:transition advTm="9562"/>
-  <p:timing>
-    <p:tnLst>
-      <p:par>
-        <p:cTn id="1" dur="indefinite" restart="never" nodeType="tmRoot"/>
-      </p:par>
-    </p:tnLst>
-  </p:timing>
-</p:sld>
-</file>
-
-<file path=ppt/slides/slide46.xml><?xml version="1.0" encoding="utf-8"?>
-<p:sld xmlns:a="http://schemas.openxmlformats.org/drawingml/2006/main" xmlns:r="http://schemas.openxmlformats.org/officeDocument/2006/relationships" xmlns:p="http://schemas.openxmlformats.org/presentationml/2006/main">
-  <p:cSld>
-    <p:spTree>
-      <p:nvGrpSpPr>
-        <p:cNvPr id="1" name=""/>
-        <p:cNvGrpSpPr/>
-        <p:nvPr/>
-      </p:nvGrpSpPr>
-      <p:grpSpPr>
-        <a:xfrm>
-          <a:off x="0" y="0"/>
-          <a:ext cx="0" cy="0"/>
-          <a:chOff x="0" y="0"/>
-          <a:chExt cx="0" cy="0"/>
-        </a:xfrm>
-      </p:grpSpPr>
-      <p:sp>
-        <p:nvSpPr>
-          <p:cNvPr id="2" name="Title 1"/>
-          <p:cNvSpPr>
-            <a:spLocks noGrp="1"/>
-          </p:cNvSpPr>
-          <p:nvPr>
-            <p:ph type="title"/>
-          </p:nvPr>
-        </p:nvSpPr>
-        <p:spPr/>
-        <p:txBody>
-          <a:bodyPr/>
-          <a:lstStyle/>
-          <a:p>
-            <a:endParaRPr lang="en-US"/>
-          </a:p>
-        </p:txBody>
-      </p:sp>
-      <p:sp>
-        <p:nvSpPr>
-          <p:cNvPr id="3" name="Content Placeholder 2"/>
-          <p:cNvSpPr>
-            <a:spLocks noGrp="1"/>
-          </p:cNvSpPr>
-          <p:nvPr>
-            <p:ph idx="1"/>
-          </p:nvPr>
-        </p:nvSpPr>
-        <p:spPr/>
-        <p:txBody>
-          <a:bodyPr/>
-          <a:lstStyle/>
-          <a:p>
-            <a:pPr>
-              <a:buNone/>
-            </a:pPr>
-            <a:endParaRPr lang="en-US" dirty="0" smtClean="0"/>
-          </a:p>
-          <a:p>
-            <a:pPr>
-              <a:buNone/>
-            </a:pPr>
-            <a:endParaRPr lang="en-US" dirty="0" smtClean="0"/>
-          </a:p>
-          <a:p>
-            <a:pPr algn="ctr">
-              <a:buNone/>
-            </a:pPr>
-            <a:r>
-              <a:rPr lang="en-US" dirty="0" smtClean="0"/>
-              <a:t>What about caching? Do we need to do that manually?</a:t>
-            </a:r>
-            <a:endParaRPr lang="en-US" dirty="0"/>
-          </a:p>
-        </p:txBody>
-      </p:sp>
-    </p:spTree>
-  </p:cSld>
-  <p:clrMapOvr>
-    <a:masterClrMapping/>
-  </p:clrMapOvr>
-  <p:transition advTm="32672"/>
-  <p:timing>
-    <p:tnLst>
-      <p:par>
-        <p:cTn id="1" dur="indefinite" restart="never" nodeType="tmRoot"/>
-      </p:par>
-    </p:tnLst>
-  </p:timing>
-</p:sld>
-</file>
-
-<file path=ppt/slides/slide47.xml><?xml version="1.0" encoding="utf-8"?>
-<p:sld xmlns:a="http://schemas.openxmlformats.org/drawingml/2006/main" xmlns:r="http://schemas.openxmlformats.org/officeDocument/2006/relationships" xmlns:p="http://schemas.openxmlformats.org/presentationml/2006/main">
-  <p:cSld>
-    <p:spTree>
-      <p:nvGrpSpPr>
-        <p:cNvPr id="1" name=""/>
-        <p:cNvGrpSpPr/>
-        <p:nvPr/>
-      </p:nvGrpSpPr>
-      <p:grpSpPr>
-        <a:xfrm>
-          <a:off x="0" y="0"/>
-          <a:ext cx="0" cy="0"/>
-          <a:chOff x="0" y="0"/>
-          <a:chExt cx="0" cy="0"/>
-        </a:xfrm>
-      </p:grpSpPr>
-      <p:sp>
-        <p:nvSpPr>
-          <p:cNvPr id="2" name="Title 1"/>
-          <p:cNvSpPr>
-            <a:spLocks noGrp="1"/>
-          </p:cNvSpPr>
-          <p:nvPr>
-            <p:ph type="title"/>
-          </p:nvPr>
-        </p:nvSpPr>
-        <p:spPr/>
-        <p:txBody>
-          <a:bodyPr/>
-          <a:lstStyle/>
-          <a:p>
-            <a:endParaRPr lang="en-US"/>
-          </a:p>
-        </p:txBody>
-      </p:sp>
-      <p:sp>
-        <p:nvSpPr>
-          <p:cNvPr id="3" name="Content Placeholder 2"/>
-          <p:cNvSpPr>
-            <a:spLocks noGrp="1"/>
-          </p:cNvSpPr>
-          <p:nvPr>
-            <p:ph idx="1"/>
-          </p:nvPr>
-        </p:nvSpPr>
-        <p:spPr/>
-        <p:txBody>
-          <a:bodyPr/>
-          <a:lstStyle/>
-          <a:p>
-            <a:pPr>
-              <a:buNone/>
-            </a:pPr>
-            <a:endParaRPr lang="en-US" dirty="0" smtClean="0"/>
-          </a:p>
-          <a:p>
-            <a:pPr algn="ctr">
-              <a:buNone/>
-            </a:pPr>
-            <a:endParaRPr lang="en-US" dirty="0" smtClean="0"/>
-          </a:p>
-          <a:p>
-            <a:pPr algn="ctr">
-              <a:buNone/>
-            </a:pPr>
-            <a:r>
-              <a:rPr lang="en-US" dirty="0" smtClean="0"/>
-              <a:t>Of course not :)</a:t>
-            </a:r>
-            <a:endParaRPr lang="en-US" dirty="0"/>
-          </a:p>
-        </p:txBody>
-      </p:sp>
-    </p:spTree>
-  </p:cSld>
-  <p:clrMapOvr>
-    <a:masterClrMapping/>
-  </p:clrMapOvr>
-  <p:transition advTm="4329"/>
-  <p:timing>
-    <p:tnLst>
-      <p:par>
-        <p:cTn id="1" dur="indefinite" restart="never" nodeType="tmRoot"/>
-      </p:par>
-    </p:tnLst>
-  </p:timing>
-</p:sld>
-</file>
-
-<file path=ppt/slides/slide48.xml><?xml version="1.0" encoding="utf-8"?>
-<p:sld xmlns:a="http://schemas.openxmlformats.org/drawingml/2006/main" xmlns:r="http://schemas.openxmlformats.org/officeDocument/2006/relationships" xmlns:p="http://schemas.openxmlformats.org/presentationml/2006/main">
-  <p:cSld>
-    <p:spTree>
-      <p:nvGrpSpPr>
-        <p:cNvPr id="1" name=""/>
-        <p:cNvGrpSpPr/>
-        <p:nvPr/>
-      </p:nvGrpSpPr>
-      <p:grpSpPr>
-        <a:xfrm>
-          <a:off x="0" y="0"/>
-          <a:ext cx="0" cy="0"/>
-          <a:chOff x="0" y="0"/>
-          <a:chExt cx="0" cy="0"/>
-        </a:xfrm>
-      </p:grpSpPr>
-      <p:sp>
-        <p:nvSpPr>
-          <p:cNvPr id="2" name="Title 1"/>
-          <p:cNvSpPr>
-            <a:spLocks noGrp="1"/>
-          </p:cNvSpPr>
-          <p:nvPr>
-            <p:ph type="title"/>
-          </p:nvPr>
-        </p:nvSpPr>
-        <p:spPr/>
-        <p:txBody>
-          <a:bodyPr/>
-          <a:lstStyle/>
-          <a:p>
-            <a:endParaRPr lang="en-US"/>
-          </a:p>
-        </p:txBody>
-      </p:sp>
-      <p:sp>
-        <p:nvSpPr>
-          <p:cNvPr id="3" name="Content Placeholder 2"/>
-          <p:cNvSpPr>
-            <a:spLocks noGrp="1"/>
-          </p:cNvSpPr>
-          <p:nvPr>
-            <p:ph idx="1"/>
-          </p:nvPr>
-        </p:nvSpPr>
-        <p:spPr/>
-        <p:txBody>
-          <a:bodyPr/>
-          <a:lstStyle/>
-          <a:p>
-            <a:pPr>
-              <a:buNone/>
-            </a:pPr>
-            <a:endParaRPr lang="en-US" dirty="0" smtClean="0"/>
-          </a:p>
-          <a:p>
-            <a:pPr>
-              <a:buNone/>
-            </a:pPr>
-            <a:endParaRPr lang="en-US" dirty="0" smtClean="0"/>
-          </a:p>
-          <a:p>
-            <a:pPr algn="ctr">
-              <a:buNone/>
-            </a:pPr>
-            <a:r>
-              <a:rPr lang="en-US" sz="4400" dirty="0" smtClean="0"/>
-              <a:t>Second Level Cache</a:t>
-            </a:r>
-            <a:endParaRPr lang="en-US" sz="4400" dirty="0"/>
-          </a:p>
-        </p:txBody>
-      </p:sp>
-    </p:spTree>
-  </p:cSld>
-  <p:clrMapOvr>
-    <a:masterClrMapping/>
-  </p:clrMapOvr>
-  <p:transition advTm="9515"/>
-  <p:timing>
-    <p:tnLst>
-      <p:par>
-        <p:cTn id="1" dur="indefinite" restart="never" nodeType="tmRoot"/>
-      </p:par>
-    </p:tnLst>
-  </p:timing>
-</p:sld>
-</file>
-
-<file path=ppt/slides/slide49.xml><?xml version="1.0" encoding="utf-8"?>
-<p:sld xmlns:a="http://schemas.openxmlformats.org/drawingml/2006/main" xmlns:r="http://schemas.openxmlformats.org/officeDocument/2006/relationships" xmlns:p="http://schemas.openxmlformats.org/presentationml/2006/main">
-  <p:cSld>
-    <p:spTree>
-      <p:nvGrpSpPr>
-        <p:cNvPr id="1" name=""/>
-        <p:cNvGrpSpPr/>
-        <p:nvPr/>
-      </p:nvGrpSpPr>
-      <p:grpSpPr>
-        <a:xfrm>
-          <a:off x="0" y="0"/>
-          <a:ext cx="0" cy="0"/>
-          <a:chOff x="0" y="0"/>
-          <a:chExt cx="0" cy="0"/>
-        </a:xfrm>
-      </p:grpSpPr>
-      <p:sp>
-        <p:nvSpPr>
-          <p:cNvPr id="2" name="Title 1"/>
-          <p:cNvSpPr>
-            <a:spLocks noGrp="1"/>
-          </p:cNvSpPr>
-          <p:nvPr>
-            <p:ph type="title"/>
-          </p:nvPr>
-        </p:nvSpPr>
-        <p:spPr/>
-        <p:txBody>
-          <a:bodyPr/>
-          <a:lstStyle/>
-          <a:p>
-            <a:endParaRPr lang="en-US"/>
-          </a:p>
-        </p:txBody>
-      </p:sp>
-      <p:sp>
-        <p:nvSpPr>
-          <p:cNvPr id="3" name="Content Placeholder 2"/>
-          <p:cNvSpPr>
-            <a:spLocks noGrp="1"/>
-          </p:cNvSpPr>
-          <p:nvPr>
-            <p:ph idx="1"/>
-          </p:nvPr>
-        </p:nvSpPr>
-        <p:spPr/>
-        <p:txBody>
-          <a:bodyPr/>
-          <a:lstStyle/>
-          <a:p>
-            <a:pPr>
-              <a:buNone/>
-            </a:pPr>
-            <a:endParaRPr lang="en-US" dirty="0" smtClean="0"/>
-          </a:p>
-          <a:p>
-            <a:pPr>
-              <a:buNone/>
-            </a:pPr>
-            <a:endParaRPr lang="en-US" dirty="0" smtClean="0"/>
-          </a:p>
-          <a:p>
-            <a:pPr algn="ctr">
-              <a:buNone/>
-            </a:pPr>
-            <a:r>
-              <a:rPr lang="en-US" dirty="0" smtClean="0"/>
-              <a:t>Second Level Cache data is available to </a:t>
-            </a:r>
-          </a:p>
-          <a:p>
-            <a:pPr algn="ctr">
-              <a:buNone/>
-            </a:pPr>
-            <a:r>
-              <a:rPr lang="en-US" b="1" dirty="0" smtClean="0">
-                <a:solidFill>
-                  <a:srgbClr val="FF0000"/>
-                </a:solidFill>
-              </a:rPr>
-              <a:t>all</a:t>
-            </a:r>
-            <a:r>
-              <a:rPr lang="en-US" dirty="0" smtClean="0"/>
-              <a:t> sessions</a:t>
-            </a:r>
-            <a:endParaRPr lang="en-US" dirty="0"/>
-          </a:p>
-        </p:txBody>
-      </p:sp>
-    </p:spTree>
-  </p:cSld>
-  <p:clrMapOvr>
-    <a:masterClrMapping/>
-  </p:clrMapOvr>
-  <p:transition advTm="19922"/>
   <p:timing>
     <p:tnLst>
       <p:par>
@@ -7350,933 +5442,6 @@
 </p:sld>
 </file>
 
-<file path=ppt/slides/slide50.xml><?xml version="1.0" encoding="utf-8"?>
-<p:sld xmlns:a="http://schemas.openxmlformats.org/drawingml/2006/main" xmlns:r="http://schemas.openxmlformats.org/officeDocument/2006/relationships" xmlns:p="http://schemas.openxmlformats.org/presentationml/2006/main">
-  <p:cSld>
-    <p:spTree>
-      <p:nvGrpSpPr>
-        <p:cNvPr id="1" name=""/>
-        <p:cNvGrpSpPr/>
-        <p:nvPr/>
-      </p:nvGrpSpPr>
-      <p:grpSpPr>
-        <a:xfrm>
-          <a:off x="0" y="0"/>
-          <a:ext cx="0" cy="0"/>
-          <a:chOff x="0" y="0"/>
-          <a:chExt cx="0" cy="0"/>
-        </a:xfrm>
-      </p:grpSpPr>
-      <p:sp>
-        <p:nvSpPr>
-          <p:cNvPr id="2" name="Title 1"/>
-          <p:cNvSpPr>
-            <a:spLocks noGrp="1"/>
-          </p:cNvSpPr>
-          <p:nvPr>
-            <p:ph type="title"/>
-          </p:nvPr>
-        </p:nvSpPr>
-        <p:spPr/>
-        <p:txBody>
-          <a:bodyPr/>
-          <a:lstStyle/>
-          <a:p>
-            <a:endParaRPr lang="en-US"/>
-          </a:p>
-        </p:txBody>
-      </p:sp>
-      <p:sp>
-        <p:nvSpPr>
-          <p:cNvPr id="3" name="Content Placeholder 2"/>
-          <p:cNvSpPr>
-            <a:spLocks noGrp="1"/>
-          </p:cNvSpPr>
-          <p:nvPr>
-            <p:ph idx="1"/>
-          </p:nvPr>
-        </p:nvSpPr>
-        <p:spPr/>
-        <p:txBody>
-          <a:bodyPr/>
-          <a:lstStyle/>
-          <a:p>
-            <a:pPr>
-              <a:buNone/>
-            </a:pPr>
-            <a:endParaRPr lang="en-US" dirty="0" smtClean="0"/>
-          </a:p>
-          <a:p>
-            <a:pPr>
-              <a:buNone/>
-            </a:pPr>
-            <a:endParaRPr lang="en-US" dirty="0" smtClean="0"/>
-          </a:p>
-          <a:p>
-            <a:pPr algn="ctr">
-              <a:buNone/>
-            </a:pPr>
-            <a:r>
-              <a:rPr lang="en-US" dirty="0" smtClean="0"/>
-              <a:t>We can cache entity instances…</a:t>
-            </a:r>
-            <a:endParaRPr lang="en-US" dirty="0"/>
-          </a:p>
-        </p:txBody>
-      </p:sp>
-    </p:spTree>
-  </p:cSld>
-  <p:clrMapOvr>
-    <a:masterClrMapping/>
-  </p:clrMapOvr>
-  <p:transition advTm="9906"/>
-  <p:timing>
-    <p:tnLst>
-      <p:par>
-        <p:cTn id="1" dur="indefinite" restart="never" nodeType="tmRoot"/>
-      </p:par>
-    </p:tnLst>
-  </p:timing>
-</p:sld>
-</file>
-
-<file path=ppt/slides/slide51.xml><?xml version="1.0" encoding="utf-8"?>
-<p:sld xmlns:a="http://schemas.openxmlformats.org/drawingml/2006/main" xmlns:r="http://schemas.openxmlformats.org/officeDocument/2006/relationships" xmlns:p="http://schemas.openxmlformats.org/presentationml/2006/main">
-  <p:cSld>
-    <p:spTree>
-      <p:nvGrpSpPr>
-        <p:cNvPr id="1" name=""/>
-        <p:cNvGrpSpPr/>
-        <p:nvPr/>
-      </p:nvGrpSpPr>
-      <p:grpSpPr>
-        <a:xfrm>
-          <a:off x="0" y="0"/>
-          <a:ext cx="0" cy="0"/>
-          <a:chOff x="0" y="0"/>
-          <a:chExt cx="0" cy="0"/>
-        </a:xfrm>
-      </p:grpSpPr>
-      <p:sp>
-        <p:nvSpPr>
-          <p:cNvPr id="2" name="Title 1"/>
-          <p:cNvSpPr>
-            <a:spLocks noGrp="1"/>
-          </p:cNvSpPr>
-          <p:nvPr>
-            <p:ph type="title"/>
-          </p:nvPr>
-        </p:nvSpPr>
-        <p:spPr/>
-        <p:txBody>
-          <a:bodyPr/>
-          <a:lstStyle/>
-          <a:p>
-            <a:endParaRPr lang="en-US"/>
-          </a:p>
-        </p:txBody>
-      </p:sp>
-      <p:sp>
-        <p:nvSpPr>
-          <p:cNvPr id="3" name="Content Placeholder 2"/>
-          <p:cNvSpPr>
-            <a:spLocks noGrp="1"/>
-          </p:cNvSpPr>
-          <p:nvPr>
-            <p:ph idx="1"/>
-          </p:nvPr>
-        </p:nvSpPr>
-        <p:spPr/>
-        <p:txBody>
-          <a:bodyPr/>
-          <a:lstStyle/>
-          <a:p>
-            <a:pPr>
-              <a:buNone/>
-            </a:pPr>
-            <a:endParaRPr lang="en-US" dirty="0" smtClean="0"/>
-          </a:p>
-          <a:p>
-            <a:pPr>
-              <a:buNone/>
-            </a:pPr>
-            <a:endParaRPr lang="en-US" dirty="0" smtClean="0"/>
-          </a:p>
-          <a:p>
-            <a:pPr algn="ctr">
-              <a:buNone/>
-            </a:pPr>
-            <a:r>
-              <a:rPr lang="en-US" dirty="0" smtClean="0"/>
-              <a:t>But we can also cache the results of queries…</a:t>
-            </a:r>
-            <a:endParaRPr lang="en-US" dirty="0"/>
-          </a:p>
-        </p:txBody>
-      </p:sp>
-    </p:spTree>
-  </p:cSld>
-  <p:clrMapOvr>
-    <a:masterClrMapping/>
-  </p:clrMapOvr>
-  <p:transition advTm="29328"/>
-  <p:timing>
-    <p:tnLst>
-      <p:par>
-        <p:cTn id="1" dur="indefinite" restart="never" nodeType="tmRoot"/>
-      </p:par>
-    </p:tnLst>
-  </p:timing>
-</p:sld>
-</file>
-
-<file path=ppt/slides/slide52.xml><?xml version="1.0" encoding="utf-8"?>
-<p:sld xmlns:a="http://schemas.openxmlformats.org/drawingml/2006/main" xmlns:r="http://schemas.openxmlformats.org/officeDocument/2006/relationships" xmlns:p="http://schemas.openxmlformats.org/presentationml/2006/main">
-  <p:cSld>
-    <p:spTree>
-      <p:nvGrpSpPr>
-        <p:cNvPr id="1" name=""/>
-        <p:cNvGrpSpPr/>
-        <p:nvPr/>
-      </p:nvGrpSpPr>
-      <p:grpSpPr>
-        <a:xfrm>
-          <a:off x="0" y="0"/>
-          <a:ext cx="0" cy="0"/>
-          <a:chOff x="0" y="0"/>
-          <a:chExt cx="0" cy="0"/>
-        </a:xfrm>
-      </p:grpSpPr>
-      <p:sp>
-        <p:nvSpPr>
-          <p:cNvPr id="2" name="Title 1"/>
-          <p:cNvSpPr>
-            <a:spLocks noGrp="1"/>
-          </p:cNvSpPr>
-          <p:nvPr>
-            <p:ph type="title"/>
-          </p:nvPr>
-        </p:nvSpPr>
-        <p:spPr/>
-        <p:txBody>
-          <a:bodyPr/>
-          <a:lstStyle/>
-          <a:p>
-            <a:endParaRPr lang="en-US"/>
-          </a:p>
-        </p:txBody>
-      </p:sp>
-      <p:sp>
-        <p:nvSpPr>
-          <p:cNvPr id="3" name="Content Placeholder 2"/>
-          <p:cNvSpPr>
-            <a:spLocks noGrp="1"/>
-          </p:cNvSpPr>
-          <p:nvPr>
-            <p:ph idx="1"/>
-          </p:nvPr>
-        </p:nvSpPr>
-        <p:spPr/>
-        <p:txBody>
-          <a:bodyPr/>
-          <a:lstStyle/>
-          <a:p>
-            <a:pPr>
-              <a:buNone/>
-            </a:pPr>
-            <a:endParaRPr lang="en-US" dirty="0" smtClean="0"/>
-          </a:p>
-          <a:p>
-            <a:pPr>
-              <a:buNone/>
-            </a:pPr>
-            <a:endParaRPr lang="en-US" dirty="0" smtClean="0"/>
-          </a:p>
-          <a:p>
-            <a:pPr algn="ctr">
-              <a:buNone/>
-            </a:pPr>
-            <a:r>
-              <a:rPr lang="en-US" dirty="0" smtClean="0"/>
-              <a:t>This is ideal for static (reference) data or even data that doesn’t change frequently</a:t>
-            </a:r>
-            <a:endParaRPr lang="en-US" dirty="0"/>
-          </a:p>
-        </p:txBody>
-      </p:sp>
-    </p:spTree>
-  </p:cSld>
-  <p:clrMapOvr>
-    <a:masterClrMapping/>
-  </p:clrMapOvr>
-  <p:transition advTm="24750"/>
-  <p:timing>
-    <p:tnLst>
-      <p:par>
-        <p:cTn id="1" dur="indefinite" restart="never" nodeType="tmRoot"/>
-      </p:par>
-    </p:tnLst>
-  </p:timing>
-</p:sld>
-</file>
-
-<file path=ppt/slides/slide53.xml><?xml version="1.0" encoding="utf-8"?>
-<p:sld xmlns:a="http://schemas.openxmlformats.org/drawingml/2006/main" xmlns:r="http://schemas.openxmlformats.org/officeDocument/2006/relationships" xmlns:p="http://schemas.openxmlformats.org/presentationml/2006/main">
-  <p:cSld>
-    <p:spTree>
-      <p:nvGrpSpPr>
-        <p:cNvPr id="1" name=""/>
-        <p:cNvGrpSpPr/>
-        <p:nvPr/>
-      </p:nvGrpSpPr>
-      <p:grpSpPr>
-        <a:xfrm>
-          <a:off x="0" y="0"/>
-          <a:ext cx="0" cy="0"/>
-          <a:chOff x="0" y="0"/>
-          <a:chExt cx="0" cy="0"/>
-        </a:xfrm>
-      </p:grpSpPr>
-      <p:sp>
-        <p:nvSpPr>
-          <p:cNvPr id="2" name="Title 1"/>
-          <p:cNvSpPr>
-            <a:spLocks noGrp="1"/>
-          </p:cNvSpPr>
-          <p:nvPr>
-            <p:ph type="title"/>
-          </p:nvPr>
-        </p:nvSpPr>
-        <p:spPr/>
-        <p:txBody>
-          <a:bodyPr/>
-          <a:lstStyle/>
-          <a:p>
-            <a:endParaRPr lang="en-US"/>
-          </a:p>
-        </p:txBody>
-      </p:sp>
-      <p:sp>
-        <p:nvSpPr>
-          <p:cNvPr id="3" name="Content Placeholder 2"/>
-          <p:cNvSpPr>
-            <a:spLocks noGrp="1"/>
-          </p:cNvSpPr>
-          <p:nvPr>
-            <p:ph idx="1"/>
-          </p:nvPr>
-        </p:nvSpPr>
-        <p:spPr/>
-        <p:txBody>
-          <a:bodyPr/>
-          <a:lstStyle/>
-          <a:p>
-            <a:pPr>
-              <a:buNone/>
-            </a:pPr>
-            <a:endParaRPr lang="en-US" dirty="0" smtClean="0"/>
-          </a:p>
-          <a:p>
-            <a:pPr>
-              <a:buNone/>
-            </a:pPr>
-            <a:endParaRPr lang="en-US" dirty="0" smtClean="0"/>
-          </a:p>
-          <a:p>
-            <a:pPr algn="ctr">
-              <a:buNone/>
-            </a:pPr>
-            <a:r>
-              <a:rPr lang="en-US" dirty="0" smtClean="0"/>
-              <a:t>How does the cache deal with modified data, though?</a:t>
-            </a:r>
-            <a:endParaRPr lang="en-US" dirty="0"/>
-          </a:p>
-        </p:txBody>
-      </p:sp>
-    </p:spTree>
-  </p:cSld>
-  <p:clrMapOvr>
-    <a:masterClrMapping/>
-  </p:clrMapOvr>
-  <p:transition advTm="28407"/>
-  <p:timing>
-    <p:tnLst>
-      <p:par>
-        <p:cTn id="1" dur="indefinite" restart="never" nodeType="tmRoot"/>
-      </p:par>
-    </p:tnLst>
-  </p:timing>
-</p:sld>
-</file>
-
-<file path=ppt/slides/slide54.xml><?xml version="1.0" encoding="utf-8"?>
-<p:sld xmlns:a="http://schemas.openxmlformats.org/drawingml/2006/main" xmlns:r="http://schemas.openxmlformats.org/officeDocument/2006/relationships" xmlns:p="http://schemas.openxmlformats.org/presentationml/2006/main">
-  <p:cSld>
-    <p:spTree>
-      <p:nvGrpSpPr>
-        <p:cNvPr id="1" name=""/>
-        <p:cNvGrpSpPr/>
-        <p:nvPr/>
-      </p:nvGrpSpPr>
-      <p:grpSpPr>
-        <a:xfrm>
-          <a:off x="0" y="0"/>
-          <a:ext cx="0" cy="0"/>
-          <a:chOff x="0" y="0"/>
-          <a:chExt cx="0" cy="0"/>
-        </a:xfrm>
-      </p:grpSpPr>
-      <p:sp>
-        <p:nvSpPr>
-          <p:cNvPr id="2" name="Title 1"/>
-          <p:cNvSpPr>
-            <a:spLocks noGrp="1"/>
-          </p:cNvSpPr>
-          <p:nvPr>
-            <p:ph type="title"/>
-          </p:nvPr>
-        </p:nvSpPr>
-        <p:spPr/>
-        <p:txBody>
-          <a:bodyPr/>
-          <a:lstStyle/>
-          <a:p>
-            <a:endParaRPr lang="en-US"/>
-          </a:p>
-        </p:txBody>
-      </p:sp>
-      <p:sp>
-        <p:nvSpPr>
-          <p:cNvPr id="3" name="Content Placeholder 2"/>
-          <p:cNvSpPr>
-            <a:spLocks noGrp="1"/>
-          </p:cNvSpPr>
-          <p:nvPr>
-            <p:ph idx="1"/>
-          </p:nvPr>
-        </p:nvSpPr>
-        <p:spPr/>
-        <p:txBody>
-          <a:bodyPr/>
-          <a:lstStyle/>
-          <a:p>
-            <a:pPr>
-              <a:buNone/>
-            </a:pPr>
-            <a:endParaRPr lang="en-US" dirty="0" smtClean="0"/>
-          </a:p>
-          <a:p>
-            <a:pPr>
-              <a:buNone/>
-            </a:pPr>
-            <a:endParaRPr lang="en-US" dirty="0" smtClean="0"/>
-          </a:p>
-          <a:p>
-            <a:pPr algn="ctr">
-              <a:buNone/>
-            </a:pPr>
-            <a:r>
-              <a:rPr lang="en-US" dirty="0" smtClean="0"/>
-              <a:t>We’ll update the database </a:t>
-            </a:r>
-            <a:r>
-              <a:rPr lang="en-US" b="1" dirty="0" smtClean="0">
-                <a:solidFill>
-                  <a:srgbClr val="FF0000"/>
-                </a:solidFill>
-              </a:rPr>
-              <a:t>and</a:t>
-            </a:r>
-            <a:r>
-              <a:rPr lang="en-US" dirty="0" smtClean="0"/>
-              <a:t> the cache</a:t>
-            </a:r>
-            <a:endParaRPr lang="en-US" dirty="0"/>
-          </a:p>
-        </p:txBody>
-      </p:sp>
-    </p:spTree>
-  </p:cSld>
-  <p:clrMapOvr>
-    <a:masterClrMapping/>
-  </p:clrMapOvr>
-  <p:transition advTm="8094"/>
-  <p:timing>
-    <p:tnLst>
-      <p:par>
-        <p:cTn id="1" dur="indefinite" restart="never" nodeType="tmRoot"/>
-      </p:par>
-    </p:tnLst>
-  </p:timing>
-</p:sld>
-</file>
-
-<file path=ppt/slides/slide55.xml><?xml version="1.0" encoding="utf-8"?>
-<p:sld xmlns:a="http://schemas.openxmlformats.org/drawingml/2006/main" xmlns:r="http://schemas.openxmlformats.org/officeDocument/2006/relationships" xmlns:p="http://schemas.openxmlformats.org/presentationml/2006/main">
-  <p:cSld>
-    <p:spTree>
-      <p:nvGrpSpPr>
-        <p:cNvPr id="1" name=""/>
-        <p:cNvGrpSpPr/>
-        <p:nvPr/>
-      </p:nvGrpSpPr>
-      <p:grpSpPr>
-        <a:xfrm>
-          <a:off x="0" y="0"/>
-          <a:ext cx="0" cy="0"/>
-          <a:chOff x="0" y="0"/>
-          <a:chExt cx="0" cy="0"/>
-        </a:xfrm>
-      </p:grpSpPr>
-      <p:sp>
-        <p:nvSpPr>
-          <p:cNvPr id="2" name="Title 1"/>
-          <p:cNvSpPr>
-            <a:spLocks noGrp="1"/>
-          </p:cNvSpPr>
-          <p:nvPr>
-            <p:ph type="title"/>
-          </p:nvPr>
-        </p:nvSpPr>
-        <p:spPr/>
-        <p:txBody>
-          <a:bodyPr/>
-          <a:lstStyle/>
-          <a:p>
-            <a:endParaRPr lang="en-US"/>
-          </a:p>
-        </p:txBody>
-      </p:sp>
-      <p:sp>
-        <p:nvSpPr>
-          <p:cNvPr id="3" name="Content Placeholder 2"/>
-          <p:cNvSpPr>
-            <a:spLocks noGrp="1"/>
-          </p:cNvSpPr>
-          <p:nvPr>
-            <p:ph idx="1"/>
-          </p:nvPr>
-        </p:nvSpPr>
-        <p:spPr/>
-        <p:txBody>
-          <a:bodyPr/>
-          <a:lstStyle/>
-          <a:p>
-            <a:pPr>
-              <a:buNone/>
-            </a:pPr>
-            <a:endParaRPr lang="en-US" dirty="0" smtClean="0"/>
-          </a:p>
-          <a:p>
-            <a:pPr>
-              <a:buNone/>
-            </a:pPr>
-            <a:endParaRPr lang="en-US" dirty="0" smtClean="0"/>
-          </a:p>
-          <a:p>
-            <a:pPr algn="ctr">
-              <a:buNone/>
-            </a:pPr>
-            <a:r>
-              <a:rPr lang="en-US" dirty="0" err="1" smtClean="0"/>
-              <a:t>NHibernate</a:t>
-            </a:r>
-            <a:r>
-              <a:rPr lang="en-US" dirty="0" smtClean="0"/>
-              <a:t> will never cache anything in the Second Level Cache automatically</a:t>
-            </a:r>
-          </a:p>
-        </p:txBody>
-      </p:sp>
-    </p:spTree>
-  </p:cSld>
-  <p:clrMapOvr>
-    <a:masterClrMapping/>
-  </p:clrMapOvr>
-  <p:transition advTm="24360"/>
-  <p:timing>
-    <p:tnLst>
-      <p:par>
-        <p:cTn id="1" dur="indefinite" restart="never" nodeType="tmRoot"/>
-      </p:par>
-    </p:tnLst>
-  </p:timing>
-</p:sld>
-</file>
-
-<file path=ppt/slides/slide56.xml><?xml version="1.0" encoding="utf-8"?>
-<p:sld xmlns:a="http://schemas.openxmlformats.org/drawingml/2006/main" xmlns:r="http://schemas.openxmlformats.org/officeDocument/2006/relationships" xmlns:p="http://schemas.openxmlformats.org/presentationml/2006/main">
-  <p:cSld>
-    <p:spTree>
-      <p:nvGrpSpPr>
-        <p:cNvPr id="1" name=""/>
-        <p:cNvGrpSpPr/>
-        <p:nvPr/>
-      </p:nvGrpSpPr>
-      <p:grpSpPr>
-        <a:xfrm>
-          <a:off x="0" y="0"/>
-          <a:ext cx="0" cy="0"/>
-          <a:chOff x="0" y="0"/>
-          <a:chExt cx="0" cy="0"/>
-        </a:xfrm>
-      </p:grpSpPr>
-      <p:sp>
-        <p:nvSpPr>
-          <p:cNvPr id="2" name="Title 1"/>
-          <p:cNvSpPr>
-            <a:spLocks noGrp="1"/>
-          </p:cNvSpPr>
-          <p:nvPr>
-            <p:ph type="title"/>
-          </p:nvPr>
-        </p:nvSpPr>
-        <p:spPr/>
-        <p:txBody>
-          <a:bodyPr/>
-          <a:lstStyle/>
-          <a:p>
-            <a:endParaRPr lang="en-US"/>
-          </a:p>
-        </p:txBody>
-      </p:sp>
-      <p:sp>
-        <p:nvSpPr>
-          <p:cNvPr id="3" name="Content Placeholder 2"/>
-          <p:cNvSpPr>
-            <a:spLocks noGrp="1"/>
-          </p:cNvSpPr>
-          <p:nvPr>
-            <p:ph idx="1"/>
-          </p:nvPr>
-        </p:nvSpPr>
-        <p:spPr/>
-        <p:txBody>
-          <a:bodyPr/>
-          <a:lstStyle/>
-          <a:p>
-            <a:pPr>
-              <a:buNone/>
-            </a:pPr>
-            <a:endParaRPr lang="en-US" dirty="0" smtClean="0"/>
-          </a:p>
-          <a:p>
-            <a:pPr>
-              <a:buNone/>
-            </a:pPr>
-            <a:endParaRPr lang="en-US" dirty="0" smtClean="0"/>
-          </a:p>
-          <a:p>
-            <a:pPr algn="ctr">
-              <a:buNone/>
-            </a:pPr>
-            <a:r>
-              <a:rPr lang="en-US" dirty="0" smtClean="0"/>
-              <a:t>It needs to be configured on a per-entity and per-query basis</a:t>
-            </a:r>
-            <a:endParaRPr lang="en-US" dirty="0"/>
-          </a:p>
-        </p:txBody>
-      </p:sp>
-    </p:spTree>
-  </p:cSld>
-  <p:clrMapOvr>
-    <a:masterClrMapping/>
-  </p:clrMapOvr>
-  <p:transition advTm="15969"/>
-  <p:timing>
-    <p:tnLst>
-      <p:par>
-        <p:cTn id="1" dur="indefinite" restart="never" nodeType="tmRoot"/>
-      </p:par>
-    </p:tnLst>
-  </p:timing>
-</p:sld>
-</file>
-
-<file path=ppt/slides/slide57.xml><?xml version="1.0" encoding="utf-8"?>
-<p:sld xmlns:a="http://schemas.openxmlformats.org/drawingml/2006/main" xmlns:r="http://schemas.openxmlformats.org/officeDocument/2006/relationships" xmlns:p="http://schemas.openxmlformats.org/presentationml/2006/main">
-  <p:cSld>
-    <p:spTree>
-      <p:nvGrpSpPr>
-        <p:cNvPr id="1" name=""/>
-        <p:cNvGrpSpPr/>
-        <p:nvPr/>
-      </p:nvGrpSpPr>
-      <p:grpSpPr>
-        <a:xfrm>
-          <a:off x="0" y="0"/>
-          <a:ext cx="0" cy="0"/>
-          <a:chOff x="0" y="0"/>
-          <a:chExt cx="0" cy="0"/>
-        </a:xfrm>
-      </p:grpSpPr>
-      <p:sp>
-        <p:nvSpPr>
-          <p:cNvPr id="2" name="Title 1"/>
-          <p:cNvSpPr>
-            <a:spLocks noGrp="1"/>
-          </p:cNvSpPr>
-          <p:nvPr>
-            <p:ph type="title"/>
-          </p:nvPr>
-        </p:nvSpPr>
-        <p:spPr/>
-        <p:txBody>
-          <a:bodyPr/>
-          <a:lstStyle/>
-          <a:p>
-            <a:endParaRPr lang="en-US"/>
-          </a:p>
-        </p:txBody>
-      </p:sp>
-      <p:sp>
-        <p:nvSpPr>
-          <p:cNvPr id="3" name="Content Placeholder 2"/>
-          <p:cNvSpPr>
-            <a:spLocks noGrp="1"/>
-          </p:cNvSpPr>
-          <p:nvPr>
-            <p:ph idx="1"/>
-          </p:nvPr>
-        </p:nvSpPr>
-        <p:spPr/>
-        <p:txBody>
-          <a:bodyPr/>
-          <a:lstStyle/>
-          <a:p>
-            <a:pPr>
-              <a:buNone/>
-            </a:pPr>
-            <a:endParaRPr lang="en-US" dirty="0" smtClean="0"/>
-          </a:p>
-          <a:p>
-            <a:pPr>
-              <a:buNone/>
-            </a:pPr>
-            <a:endParaRPr lang="en-US" dirty="0" smtClean="0"/>
-          </a:p>
-          <a:p>
-            <a:pPr algn="ctr">
-              <a:buNone/>
-            </a:pPr>
-            <a:r>
-              <a:rPr lang="en-US" dirty="0" smtClean="0"/>
-              <a:t>All the caching power you want, </a:t>
-            </a:r>
-            <a:r>
-              <a:rPr lang="en-US" b="1" dirty="0" smtClean="0">
-                <a:solidFill>
-                  <a:srgbClr val="FF0000"/>
-                </a:solidFill>
-              </a:rPr>
-              <a:t>without</a:t>
-            </a:r>
-            <a:r>
-              <a:rPr lang="en-US" dirty="0" smtClean="0"/>
-              <a:t> having to pollute your code</a:t>
-            </a:r>
-            <a:endParaRPr lang="en-US" dirty="0"/>
-          </a:p>
-        </p:txBody>
-      </p:sp>
-    </p:spTree>
-  </p:cSld>
-  <p:clrMapOvr>
-    <a:masterClrMapping/>
-  </p:clrMapOvr>
-  <p:transition advTm="13187"/>
-  <p:timing>
-    <p:tnLst>
-      <p:par>
-        <p:cTn id="1" dur="indefinite" restart="never" nodeType="tmRoot"/>
-      </p:par>
-    </p:tnLst>
-  </p:timing>
-</p:sld>
-</file>
-
-<file path=ppt/slides/slide58.xml><?xml version="1.0" encoding="utf-8"?>
-<p:sld xmlns:a="http://schemas.openxmlformats.org/drawingml/2006/main" xmlns:r="http://schemas.openxmlformats.org/officeDocument/2006/relationships" xmlns:p="http://schemas.openxmlformats.org/presentationml/2006/main">
-  <p:cSld>
-    <p:spTree>
-      <p:nvGrpSpPr>
-        <p:cNvPr id="1" name=""/>
-        <p:cNvGrpSpPr/>
-        <p:nvPr/>
-      </p:nvGrpSpPr>
-      <p:grpSpPr>
-        <a:xfrm>
-          <a:off x="0" y="0"/>
-          <a:ext cx="0" cy="0"/>
-          <a:chOff x="0" y="0"/>
-          <a:chExt cx="0" cy="0"/>
-        </a:xfrm>
-      </p:grpSpPr>
-      <p:sp>
-        <p:nvSpPr>
-          <p:cNvPr id="2" name="Title 1"/>
-          <p:cNvSpPr>
-            <a:spLocks noGrp="1"/>
-          </p:cNvSpPr>
-          <p:nvPr>
-            <p:ph type="title"/>
-          </p:nvPr>
-        </p:nvSpPr>
-        <p:spPr/>
-        <p:txBody>
-          <a:bodyPr/>
-          <a:lstStyle/>
-          <a:p>
-            <a:endParaRPr lang="en-US"/>
-          </a:p>
-        </p:txBody>
-      </p:sp>
-      <p:sp>
-        <p:nvSpPr>
-          <p:cNvPr id="3" name="Content Placeholder 2"/>
-          <p:cNvSpPr>
-            <a:spLocks noGrp="1"/>
-          </p:cNvSpPr>
-          <p:nvPr>
-            <p:ph idx="1"/>
-          </p:nvPr>
-        </p:nvSpPr>
-        <p:spPr/>
-        <p:txBody>
-          <a:bodyPr/>
-          <a:lstStyle/>
-          <a:p>
-            <a:pPr>
-              <a:buNone/>
-            </a:pPr>
-            <a:endParaRPr lang="en-US" dirty="0" smtClean="0"/>
-          </a:p>
-          <a:p>
-            <a:pPr>
-              <a:buNone/>
-            </a:pPr>
-            <a:endParaRPr lang="en-US" dirty="0" smtClean="0"/>
-          </a:p>
-          <a:p>
-            <a:pPr algn="ctr">
-              <a:buNone/>
-            </a:pPr>
-            <a:r>
-              <a:rPr lang="en-US" dirty="0" smtClean="0"/>
-              <a:t>Only use this for data that doesn’t change frequently though</a:t>
-            </a:r>
-            <a:endParaRPr lang="en-US" dirty="0"/>
-          </a:p>
-        </p:txBody>
-      </p:sp>
-    </p:spTree>
-  </p:cSld>
-  <p:clrMapOvr>
-    <a:masterClrMapping/>
-  </p:clrMapOvr>
-  <p:transition advTm="49437"/>
-  <p:timing>
-    <p:tnLst>
-      <p:par>
-        <p:cTn id="1" dur="indefinite" restart="never" nodeType="tmRoot"/>
-      </p:par>
-    </p:tnLst>
-  </p:timing>
-</p:sld>
-</file>
-
-<file path=ppt/slides/slide59.xml><?xml version="1.0" encoding="utf-8"?>
-<p:sld xmlns:a="http://schemas.openxmlformats.org/drawingml/2006/main" xmlns:r="http://schemas.openxmlformats.org/officeDocument/2006/relationships" xmlns:p="http://schemas.openxmlformats.org/presentationml/2006/main">
-  <p:cSld>
-    <p:spTree>
-      <p:nvGrpSpPr>
-        <p:cNvPr id="1" name=""/>
-        <p:cNvGrpSpPr/>
-        <p:nvPr/>
-      </p:nvGrpSpPr>
-      <p:grpSpPr>
-        <a:xfrm>
-          <a:off x="0" y="0"/>
-          <a:ext cx="0" cy="0"/>
-          <a:chOff x="0" y="0"/>
-          <a:chExt cx="0" cy="0"/>
-        </a:xfrm>
-      </p:grpSpPr>
-      <p:sp>
-        <p:nvSpPr>
-          <p:cNvPr id="2" name="Title 1"/>
-          <p:cNvSpPr>
-            <a:spLocks noGrp="1"/>
-          </p:cNvSpPr>
-          <p:nvPr>
-            <p:ph type="title"/>
-          </p:nvPr>
-        </p:nvSpPr>
-        <p:spPr/>
-        <p:txBody>
-          <a:bodyPr/>
-          <a:lstStyle/>
-          <a:p>
-            <a:endParaRPr lang="en-US"/>
-          </a:p>
-        </p:txBody>
-      </p:sp>
-      <p:sp>
-        <p:nvSpPr>
-          <p:cNvPr id="3" name="Content Placeholder 2"/>
-          <p:cNvSpPr>
-            <a:spLocks noGrp="1"/>
-          </p:cNvSpPr>
-          <p:nvPr>
-            <p:ph idx="1"/>
-          </p:nvPr>
-        </p:nvSpPr>
-        <p:spPr/>
-        <p:txBody>
-          <a:bodyPr/>
-          <a:lstStyle/>
-          <a:p>
-            <a:pPr>
-              <a:buNone/>
-            </a:pPr>
-            <a:endParaRPr lang="en-US" dirty="0" smtClean="0"/>
-          </a:p>
-          <a:p>
-            <a:pPr>
-              <a:buNone/>
-            </a:pPr>
-            <a:endParaRPr lang="en-US" dirty="0" smtClean="0"/>
-          </a:p>
-          <a:p>
-            <a:pPr algn="ctr">
-              <a:buNone/>
-            </a:pPr>
-            <a:r>
-              <a:rPr lang="en-US" dirty="0" smtClean="0"/>
-              <a:t>But where is the cache’s data stored?</a:t>
-            </a:r>
-            <a:endParaRPr lang="en-US" dirty="0"/>
-          </a:p>
-        </p:txBody>
-      </p:sp>
-    </p:spTree>
-  </p:cSld>
-  <p:clrMapOvr>
-    <a:masterClrMapping/>
-  </p:clrMapOvr>
-  <p:transition advTm="11609"/>
-  <p:timing>
-    <p:tnLst>
-      <p:par>
-        <p:cTn id="1" dur="indefinite" restart="never" nodeType="tmRoot"/>
-      </p:par>
-    </p:tnLst>
-  </p:timing>
-</p:sld>
-</file>
-
 <file path=ppt/slides/slide6.xml><?xml version="1.0" encoding="utf-8"?>
 <p:sld xmlns:a="http://schemas.openxmlformats.org/drawingml/2006/main" xmlns:r="http://schemas.openxmlformats.org/officeDocument/2006/relationships" xmlns:p="http://schemas.openxmlformats.org/presentationml/2006/main">
   <p:cSld>
@@ -8362,916 +5527,6 @@
     <a:masterClrMapping/>
   </p:clrMapOvr>
   <p:transition advTm="7125"/>
-  <p:timing>
-    <p:tnLst>
-      <p:par>
-        <p:cTn id="1" dur="indefinite" restart="never" nodeType="tmRoot"/>
-      </p:par>
-    </p:tnLst>
-  </p:timing>
-</p:sld>
-</file>
-
-<file path=ppt/slides/slide60.xml><?xml version="1.0" encoding="utf-8"?>
-<p:sld xmlns:a="http://schemas.openxmlformats.org/drawingml/2006/main" xmlns:r="http://schemas.openxmlformats.org/officeDocument/2006/relationships" xmlns:p="http://schemas.openxmlformats.org/presentationml/2006/main">
-  <p:cSld>
-    <p:spTree>
-      <p:nvGrpSpPr>
-        <p:cNvPr id="1" name=""/>
-        <p:cNvGrpSpPr/>
-        <p:nvPr/>
-      </p:nvGrpSpPr>
-      <p:grpSpPr>
-        <a:xfrm>
-          <a:off x="0" y="0"/>
-          <a:ext cx="0" cy="0"/>
-          <a:chOff x="0" y="0"/>
-          <a:chExt cx="0" cy="0"/>
-        </a:xfrm>
-      </p:grpSpPr>
-      <p:sp>
-        <p:nvSpPr>
-          <p:cNvPr id="2" name="Title 1"/>
-          <p:cNvSpPr>
-            <a:spLocks noGrp="1"/>
-          </p:cNvSpPr>
-          <p:nvPr>
-            <p:ph type="title"/>
-          </p:nvPr>
-        </p:nvSpPr>
-        <p:spPr/>
-        <p:txBody>
-          <a:bodyPr/>
-          <a:lstStyle/>
-          <a:p>
-            <a:endParaRPr lang="en-US"/>
-          </a:p>
-        </p:txBody>
-      </p:sp>
-      <p:sp>
-        <p:nvSpPr>
-          <p:cNvPr id="3" name="Content Placeholder 2"/>
-          <p:cNvSpPr>
-            <a:spLocks noGrp="1"/>
-          </p:cNvSpPr>
-          <p:nvPr>
-            <p:ph idx="1"/>
-          </p:nvPr>
-        </p:nvSpPr>
-        <p:spPr/>
-        <p:txBody>
-          <a:bodyPr/>
-          <a:lstStyle/>
-          <a:p>
-            <a:pPr>
-              <a:buNone/>
-            </a:pPr>
-            <a:endParaRPr lang="en-US" dirty="0" smtClean="0"/>
-          </a:p>
-          <a:p>
-            <a:pPr>
-              <a:buNone/>
-            </a:pPr>
-            <a:endParaRPr lang="en-US" dirty="0" smtClean="0"/>
-          </a:p>
-          <a:p>
-            <a:pPr algn="ctr">
-              <a:buNone/>
-            </a:pPr>
-            <a:r>
-              <a:rPr lang="en-US" dirty="0" smtClean="0"/>
-              <a:t>That’s up to you… multiple providers are available: ASP.NET cache, </a:t>
-            </a:r>
-            <a:r>
-              <a:rPr lang="en-US" dirty="0" err="1" smtClean="0"/>
-              <a:t>MemCached</a:t>
-            </a:r>
-            <a:r>
-              <a:rPr lang="en-US" dirty="0" smtClean="0"/>
-              <a:t>, Velocity, Prevalence, …</a:t>
-            </a:r>
-            <a:endParaRPr lang="en-US" dirty="0"/>
-          </a:p>
-        </p:txBody>
-      </p:sp>
-    </p:spTree>
-  </p:cSld>
-  <p:clrMapOvr>
-    <a:masterClrMapping/>
-  </p:clrMapOvr>
-  <p:transition advTm="43718"/>
-  <p:timing>
-    <p:tnLst>
-      <p:par>
-        <p:cTn id="1" dur="indefinite" restart="never" nodeType="tmRoot"/>
-      </p:par>
-    </p:tnLst>
-  </p:timing>
-</p:sld>
-</file>
-
-<file path=ppt/slides/slide61.xml><?xml version="1.0" encoding="utf-8"?>
-<p:sld xmlns:a="http://schemas.openxmlformats.org/drawingml/2006/main" xmlns:r="http://schemas.openxmlformats.org/officeDocument/2006/relationships" xmlns:p="http://schemas.openxmlformats.org/presentationml/2006/main">
-  <p:cSld>
-    <p:spTree>
-      <p:nvGrpSpPr>
-        <p:cNvPr id="1" name=""/>
-        <p:cNvGrpSpPr/>
-        <p:nvPr/>
-      </p:nvGrpSpPr>
-      <p:grpSpPr>
-        <a:xfrm>
-          <a:off x="0" y="0"/>
-          <a:ext cx="0" cy="0"/>
-          <a:chOff x="0" y="0"/>
-          <a:chExt cx="0" cy="0"/>
-        </a:xfrm>
-      </p:grpSpPr>
-      <p:sp>
-        <p:nvSpPr>
-          <p:cNvPr id="2" name="Title 1"/>
-          <p:cNvSpPr>
-            <a:spLocks noGrp="1"/>
-          </p:cNvSpPr>
-          <p:nvPr>
-            <p:ph type="title"/>
-          </p:nvPr>
-        </p:nvSpPr>
-        <p:spPr/>
-        <p:txBody>
-          <a:bodyPr/>
-          <a:lstStyle/>
-          <a:p>
-            <a:endParaRPr lang="en-US"/>
-          </a:p>
-        </p:txBody>
-      </p:sp>
-      <p:sp>
-        <p:nvSpPr>
-          <p:cNvPr id="3" name="Content Placeholder 2"/>
-          <p:cNvSpPr>
-            <a:spLocks noGrp="1"/>
-          </p:cNvSpPr>
-          <p:nvPr>
-            <p:ph idx="1"/>
-          </p:nvPr>
-        </p:nvSpPr>
-        <p:spPr/>
-        <p:txBody>
-          <a:bodyPr/>
-          <a:lstStyle/>
-          <a:p>
-            <a:pPr>
-              <a:buNone/>
-            </a:pPr>
-            <a:endParaRPr lang="en-US" dirty="0" smtClean="0"/>
-          </a:p>
-          <a:p>
-            <a:pPr>
-              <a:buNone/>
-            </a:pPr>
-            <a:endParaRPr lang="en-US" dirty="0" smtClean="0"/>
-          </a:p>
-          <a:p>
-            <a:pPr algn="ctr">
-              <a:buNone/>
-            </a:pPr>
-            <a:r>
-              <a:rPr lang="en-US" dirty="0" smtClean="0"/>
-              <a:t>At this point, I’m almost running out of time and there is a lot more interesting stuff that we won’t get to cover.</a:t>
-            </a:r>
-            <a:endParaRPr lang="en-US" dirty="0"/>
-          </a:p>
-        </p:txBody>
-      </p:sp>
-    </p:spTree>
-  </p:cSld>
-  <p:clrMapOvr>
-    <a:masterClrMapping/>
-  </p:clrMapOvr>
-  <p:transition advTm="16000"/>
-  <p:timing>
-    <p:tnLst>
-      <p:par>
-        <p:cTn id="1" dur="indefinite" restart="never" nodeType="tmRoot"/>
-      </p:par>
-    </p:tnLst>
-  </p:timing>
-</p:sld>
-</file>
-
-<file path=ppt/slides/slide62.xml><?xml version="1.0" encoding="utf-8"?>
-<p:sld xmlns:a="http://schemas.openxmlformats.org/drawingml/2006/main" xmlns:r="http://schemas.openxmlformats.org/officeDocument/2006/relationships" xmlns:p="http://schemas.openxmlformats.org/presentationml/2006/main">
-  <p:cSld>
-    <p:spTree>
-      <p:nvGrpSpPr>
-        <p:cNvPr id="1" name=""/>
-        <p:cNvGrpSpPr/>
-        <p:nvPr/>
-      </p:nvGrpSpPr>
-      <p:grpSpPr>
-        <a:xfrm>
-          <a:off x="0" y="0"/>
-          <a:ext cx="0" cy="0"/>
-          <a:chOff x="0" y="0"/>
-          <a:chExt cx="0" cy="0"/>
-        </a:xfrm>
-      </p:grpSpPr>
-      <p:sp>
-        <p:nvSpPr>
-          <p:cNvPr id="2" name="Title 1"/>
-          <p:cNvSpPr>
-            <a:spLocks noGrp="1"/>
-          </p:cNvSpPr>
-          <p:nvPr>
-            <p:ph type="title"/>
-          </p:nvPr>
-        </p:nvSpPr>
-        <p:spPr/>
-        <p:txBody>
-          <a:bodyPr/>
-          <a:lstStyle/>
-          <a:p>
-            <a:endParaRPr lang="en-US"/>
-          </a:p>
-        </p:txBody>
-      </p:sp>
-      <p:sp>
-        <p:nvSpPr>
-          <p:cNvPr id="3" name="Content Placeholder 2"/>
-          <p:cNvSpPr>
-            <a:spLocks noGrp="1"/>
-          </p:cNvSpPr>
-          <p:nvPr>
-            <p:ph idx="1"/>
-          </p:nvPr>
-        </p:nvSpPr>
-        <p:spPr/>
-        <p:txBody>
-          <a:bodyPr/>
-          <a:lstStyle/>
-          <a:p>
-            <a:pPr>
-              <a:buNone/>
-            </a:pPr>
-            <a:endParaRPr lang="en-US" dirty="0" smtClean="0"/>
-          </a:p>
-          <a:p>
-            <a:pPr>
-              <a:buNone/>
-            </a:pPr>
-            <a:endParaRPr lang="en-US" dirty="0" smtClean="0"/>
-          </a:p>
-          <a:p>
-            <a:pPr algn="ctr">
-              <a:buNone/>
-            </a:pPr>
-            <a:r>
-              <a:rPr lang="en-US" dirty="0" smtClean="0"/>
-              <a:t>Like optimistic concurrency strategies…</a:t>
-            </a:r>
-            <a:endParaRPr lang="en-US" dirty="0"/>
-          </a:p>
-        </p:txBody>
-      </p:sp>
-    </p:spTree>
-  </p:cSld>
-  <p:clrMapOvr>
-    <a:masterClrMapping/>
-  </p:clrMapOvr>
-  <p:transition advTm="18016"/>
-  <p:timing>
-    <p:tnLst>
-      <p:par>
-        <p:cTn id="1" dur="indefinite" restart="never" nodeType="tmRoot"/>
-      </p:par>
-    </p:tnLst>
-  </p:timing>
-</p:sld>
-</file>
-
-<file path=ppt/slides/slide63.xml><?xml version="1.0" encoding="utf-8"?>
-<p:sld xmlns:a="http://schemas.openxmlformats.org/drawingml/2006/main" xmlns:r="http://schemas.openxmlformats.org/officeDocument/2006/relationships" xmlns:p="http://schemas.openxmlformats.org/presentationml/2006/main">
-  <p:cSld>
-    <p:spTree>
-      <p:nvGrpSpPr>
-        <p:cNvPr id="1" name=""/>
-        <p:cNvGrpSpPr/>
-        <p:nvPr/>
-      </p:nvGrpSpPr>
-      <p:grpSpPr>
-        <a:xfrm>
-          <a:off x="0" y="0"/>
-          <a:ext cx="0" cy="0"/>
-          <a:chOff x="0" y="0"/>
-          <a:chExt cx="0" cy="0"/>
-        </a:xfrm>
-      </p:grpSpPr>
-      <p:sp>
-        <p:nvSpPr>
-          <p:cNvPr id="2" name="Title 1"/>
-          <p:cNvSpPr>
-            <a:spLocks noGrp="1"/>
-          </p:cNvSpPr>
-          <p:nvPr>
-            <p:ph type="title"/>
-          </p:nvPr>
-        </p:nvSpPr>
-        <p:spPr/>
-        <p:txBody>
-          <a:bodyPr/>
-          <a:lstStyle/>
-          <a:p>
-            <a:endParaRPr lang="en-US"/>
-          </a:p>
-        </p:txBody>
-      </p:sp>
-      <p:sp>
-        <p:nvSpPr>
-          <p:cNvPr id="3" name="Content Placeholder 2"/>
-          <p:cNvSpPr>
-            <a:spLocks noGrp="1"/>
-          </p:cNvSpPr>
-          <p:nvPr>
-            <p:ph idx="1"/>
-          </p:nvPr>
-        </p:nvSpPr>
-        <p:spPr/>
-        <p:txBody>
-          <a:bodyPr/>
-          <a:lstStyle/>
-          <a:p>
-            <a:pPr>
-              <a:buNone/>
-            </a:pPr>
-            <a:endParaRPr lang="en-US" dirty="0" smtClean="0"/>
-          </a:p>
-          <a:p>
-            <a:pPr>
-              <a:buNone/>
-            </a:pPr>
-            <a:endParaRPr lang="en-US" dirty="0" smtClean="0"/>
-          </a:p>
-          <a:p>
-            <a:pPr algn="ctr">
-              <a:buNone/>
-            </a:pPr>
-            <a:r>
-              <a:rPr lang="en-US" dirty="0" smtClean="0"/>
-              <a:t>Or pessimistic </a:t>
-            </a:r>
-            <a:r>
-              <a:rPr lang="en-US" smtClean="0"/>
-              <a:t>locking strategies…</a:t>
-            </a:r>
-            <a:endParaRPr lang="en-US" dirty="0"/>
-          </a:p>
-        </p:txBody>
-      </p:sp>
-    </p:spTree>
-  </p:cSld>
-  <p:clrMapOvr>
-    <a:masterClrMapping/>
-  </p:clrMapOvr>
-  <p:transition advTm="6156"/>
-  <p:timing>
-    <p:tnLst>
-      <p:par>
-        <p:cTn id="1" dur="indefinite" restart="never" nodeType="tmRoot"/>
-      </p:par>
-    </p:tnLst>
-  </p:timing>
-</p:sld>
-</file>
-
-<file path=ppt/slides/slide64.xml><?xml version="1.0" encoding="utf-8"?>
-<p:sld xmlns:a="http://schemas.openxmlformats.org/drawingml/2006/main" xmlns:r="http://schemas.openxmlformats.org/officeDocument/2006/relationships" xmlns:p="http://schemas.openxmlformats.org/presentationml/2006/main">
-  <p:cSld>
-    <p:spTree>
-      <p:nvGrpSpPr>
-        <p:cNvPr id="1" name=""/>
-        <p:cNvGrpSpPr/>
-        <p:nvPr/>
-      </p:nvGrpSpPr>
-      <p:grpSpPr>
-        <a:xfrm>
-          <a:off x="0" y="0"/>
-          <a:ext cx="0" cy="0"/>
-          <a:chOff x="0" y="0"/>
-          <a:chExt cx="0" cy="0"/>
-        </a:xfrm>
-      </p:grpSpPr>
-      <p:sp>
-        <p:nvSpPr>
-          <p:cNvPr id="2" name="Title 1"/>
-          <p:cNvSpPr>
-            <a:spLocks noGrp="1"/>
-          </p:cNvSpPr>
-          <p:nvPr>
-            <p:ph type="title"/>
-          </p:nvPr>
-        </p:nvSpPr>
-        <p:spPr/>
-        <p:txBody>
-          <a:bodyPr/>
-          <a:lstStyle/>
-          <a:p>
-            <a:endParaRPr lang="en-US"/>
-          </a:p>
-        </p:txBody>
-      </p:sp>
-      <p:sp>
-        <p:nvSpPr>
-          <p:cNvPr id="3" name="Content Placeholder 2"/>
-          <p:cNvSpPr>
-            <a:spLocks noGrp="1"/>
-          </p:cNvSpPr>
-          <p:nvPr>
-            <p:ph idx="1"/>
-          </p:nvPr>
-        </p:nvSpPr>
-        <p:spPr/>
-        <p:txBody>
-          <a:bodyPr/>
-          <a:lstStyle/>
-          <a:p>
-            <a:pPr>
-              <a:buNone/>
-            </a:pPr>
-            <a:endParaRPr lang="en-US" dirty="0" smtClean="0"/>
-          </a:p>
-          <a:p>
-            <a:pPr>
-              <a:buNone/>
-            </a:pPr>
-            <a:endParaRPr lang="en-US" dirty="0" smtClean="0"/>
-          </a:p>
-          <a:p>
-            <a:pPr algn="ctr">
-              <a:buNone/>
-            </a:pPr>
-            <a:r>
-              <a:rPr lang="en-US" dirty="0" smtClean="0"/>
-              <a:t>Or the various identifier strategies…</a:t>
-            </a:r>
-          </a:p>
-        </p:txBody>
-      </p:sp>
-    </p:spTree>
-  </p:cSld>
-  <p:clrMapOvr>
-    <a:masterClrMapping/>
-  </p:clrMapOvr>
-  <p:transition advTm="22109"/>
-  <p:timing>
-    <p:tnLst>
-      <p:par>
-        <p:cTn id="1" dur="indefinite" restart="never" nodeType="tmRoot"/>
-      </p:par>
-    </p:tnLst>
-  </p:timing>
-</p:sld>
-</file>
-
-<file path=ppt/slides/slide65.xml><?xml version="1.0" encoding="utf-8"?>
-<p:sld xmlns:a="http://schemas.openxmlformats.org/drawingml/2006/main" xmlns:r="http://schemas.openxmlformats.org/officeDocument/2006/relationships" xmlns:p="http://schemas.openxmlformats.org/presentationml/2006/main">
-  <p:cSld>
-    <p:spTree>
-      <p:nvGrpSpPr>
-        <p:cNvPr id="1" name=""/>
-        <p:cNvGrpSpPr/>
-        <p:nvPr/>
-      </p:nvGrpSpPr>
-      <p:grpSpPr>
-        <a:xfrm>
-          <a:off x="0" y="0"/>
-          <a:ext cx="0" cy="0"/>
-          <a:chOff x="0" y="0"/>
-          <a:chExt cx="0" cy="0"/>
-        </a:xfrm>
-      </p:grpSpPr>
-      <p:sp>
-        <p:nvSpPr>
-          <p:cNvPr id="2" name="Title 1"/>
-          <p:cNvSpPr>
-            <a:spLocks noGrp="1"/>
-          </p:cNvSpPr>
-          <p:nvPr>
-            <p:ph type="title"/>
-          </p:nvPr>
-        </p:nvSpPr>
-        <p:spPr/>
-        <p:txBody>
-          <a:bodyPr/>
-          <a:lstStyle/>
-          <a:p>
-            <a:endParaRPr lang="en-US"/>
-          </a:p>
-        </p:txBody>
-      </p:sp>
-      <p:sp>
-        <p:nvSpPr>
-          <p:cNvPr id="3" name="Content Placeholder 2"/>
-          <p:cNvSpPr>
-            <a:spLocks noGrp="1"/>
-          </p:cNvSpPr>
-          <p:nvPr>
-            <p:ph idx="1"/>
-          </p:nvPr>
-        </p:nvSpPr>
-        <p:spPr/>
-        <p:txBody>
-          <a:bodyPr/>
-          <a:lstStyle/>
-          <a:p>
-            <a:pPr>
-              <a:buNone/>
-            </a:pPr>
-            <a:endParaRPr lang="en-US" dirty="0" smtClean="0"/>
-          </a:p>
-          <a:p>
-            <a:pPr>
-              <a:buNone/>
-            </a:pPr>
-            <a:endParaRPr lang="en-US" dirty="0" smtClean="0"/>
-          </a:p>
-          <a:p>
-            <a:pPr algn="ctr">
-              <a:buNone/>
-            </a:pPr>
-            <a:r>
-              <a:rPr lang="en-US" dirty="0" smtClean="0"/>
-              <a:t>Or the various inheritance strategies…</a:t>
-            </a:r>
-            <a:endParaRPr lang="en-US" dirty="0"/>
-          </a:p>
-        </p:txBody>
-      </p:sp>
-    </p:spTree>
-  </p:cSld>
-  <p:clrMapOvr>
-    <a:masterClrMapping/>
-  </p:clrMapOvr>
-  <p:transition advTm="21406"/>
-  <p:timing>
-    <p:tnLst>
-      <p:par>
-        <p:cTn id="1" dur="indefinite" restart="never" nodeType="tmRoot"/>
-      </p:par>
-    </p:tnLst>
-  </p:timing>
-</p:sld>
-</file>
-
-<file path=ppt/slides/slide66.xml><?xml version="1.0" encoding="utf-8"?>
-<p:sld xmlns:a="http://schemas.openxmlformats.org/drawingml/2006/main" xmlns:r="http://schemas.openxmlformats.org/officeDocument/2006/relationships" xmlns:p="http://schemas.openxmlformats.org/presentationml/2006/main">
-  <p:cSld>
-    <p:spTree>
-      <p:nvGrpSpPr>
-        <p:cNvPr id="1" name=""/>
-        <p:cNvGrpSpPr/>
-        <p:nvPr/>
-      </p:nvGrpSpPr>
-      <p:grpSpPr>
-        <a:xfrm>
-          <a:off x="0" y="0"/>
-          <a:ext cx="0" cy="0"/>
-          <a:chOff x="0" y="0"/>
-          <a:chExt cx="0" cy="0"/>
-        </a:xfrm>
-      </p:grpSpPr>
-      <p:sp>
-        <p:nvSpPr>
-          <p:cNvPr id="2" name="Title 1"/>
-          <p:cNvSpPr>
-            <a:spLocks noGrp="1"/>
-          </p:cNvSpPr>
-          <p:nvPr>
-            <p:ph type="title"/>
-          </p:nvPr>
-        </p:nvSpPr>
-        <p:spPr/>
-        <p:txBody>
-          <a:bodyPr/>
-          <a:lstStyle/>
-          <a:p>
-            <a:endParaRPr lang="en-US"/>
-          </a:p>
-        </p:txBody>
-      </p:sp>
-      <p:sp>
-        <p:nvSpPr>
-          <p:cNvPr id="3" name="Content Placeholder 2"/>
-          <p:cNvSpPr>
-            <a:spLocks noGrp="1"/>
-          </p:cNvSpPr>
-          <p:nvPr>
-            <p:ph idx="1"/>
-          </p:nvPr>
-        </p:nvSpPr>
-        <p:spPr/>
-        <p:txBody>
-          <a:bodyPr/>
-          <a:lstStyle/>
-          <a:p>
-            <a:pPr>
-              <a:buNone/>
-            </a:pPr>
-            <a:endParaRPr lang="en-US" dirty="0" smtClean="0"/>
-          </a:p>
-          <a:p>
-            <a:pPr>
-              <a:buNone/>
-            </a:pPr>
-            <a:endParaRPr lang="en-US" dirty="0" smtClean="0"/>
-          </a:p>
-          <a:p>
-            <a:pPr algn="ctr">
-              <a:buNone/>
-            </a:pPr>
-            <a:r>
-              <a:rPr lang="en-US" dirty="0" smtClean="0"/>
-              <a:t>Or how automatic dirty tracking works…</a:t>
-            </a:r>
-            <a:endParaRPr lang="en-US" dirty="0"/>
-          </a:p>
-        </p:txBody>
-      </p:sp>
-    </p:spTree>
-  </p:cSld>
-  <p:clrMapOvr>
-    <a:masterClrMapping/>
-  </p:clrMapOvr>
-  <p:transition advTm="6453"/>
-  <p:timing>
-    <p:tnLst>
-      <p:par>
-        <p:cTn id="1" dur="indefinite" restart="never" nodeType="tmRoot"/>
-      </p:par>
-    </p:tnLst>
-  </p:timing>
-</p:sld>
-</file>
-
-<file path=ppt/slides/slide67.xml><?xml version="1.0" encoding="utf-8"?>
-<p:sld xmlns:a="http://schemas.openxmlformats.org/drawingml/2006/main" xmlns:r="http://schemas.openxmlformats.org/officeDocument/2006/relationships" xmlns:p="http://schemas.openxmlformats.org/presentationml/2006/main">
-  <p:cSld>
-    <p:spTree>
-      <p:nvGrpSpPr>
-        <p:cNvPr id="1" name=""/>
-        <p:cNvGrpSpPr/>
-        <p:nvPr/>
-      </p:nvGrpSpPr>
-      <p:grpSpPr>
-        <a:xfrm>
-          <a:off x="0" y="0"/>
-          <a:ext cx="0" cy="0"/>
-          <a:chOff x="0" y="0"/>
-          <a:chExt cx="0" cy="0"/>
-        </a:xfrm>
-      </p:grpSpPr>
-      <p:sp>
-        <p:nvSpPr>
-          <p:cNvPr id="2" name="Title 1"/>
-          <p:cNvSpPr>
-            <a:spLocks noGrp="1"/>
-          </p:cNvSpPr>
-          <p:nvPr>
-            <p:ph type="title"/>
-          </p:nvPr>
-        </p:nvSpPr>
-        <p:spPr/>
-        <p:txBody>
-          <a:bodyPr/>
-          <a:lstStyle/>
-          <a:p>
-            <a:endParaRPr lang="en-US"/>
-          </a:p>
-        </p:txBody>
-      </p:sp>
-      <p:sp>
-        <p:nvSpPr>
-          <p:cNvPr id="3" name="Content Placeholder 2"/>
-          <p:cNvSpPr>
-            <a:spLocks noGrp="1"/>
-          </p:cNvSpPr>
-          <p:nvPr>
-            <p:ph idx="1"/>
-          </p:nvPr>
-        </p:nvSpPr>
-        <p:spPr/>
-        <p:txBody>
-          <a:bodyPr/>
-          <a:lstStyle/>
-          <a:p>
-            <a:pPr>
-              <a:buNone/>
-            </a:pPr>
-            <a:endParaRPr lang="en-US" dirty="0" smtClean="0"/>
-          </a:p>
-          <a:p>
-            <a:pPr>
-              <a:buNone/>
-            </a:pPr>
-            <a:endParaRPr lang="en-US" dirty="0" smtClean="0"/>
-          </a:p>
-          <a:p>
-            <a:pPr algn="ctr">
-              <a:buNone/>
-            </a:pPr>
-            <a:r>
-              <a:rPr lang="en-US" dirty="0" smtClean="0"/>
-              <a:t>Or how you can implement your own dirty tracking…</a:t>
-            </a:r>
-            <a:endParaRPr lang="en-US" dirty="0"/>
-          </a:p>
-        </p:txBody>
-      </p:sp>
-    </p:spTree>
-  </p:cSld>
-  <p:clrMapOvr>
-    <a:masterClrMapping/>
-  </p:clrMapOvr>
-  <p:timing>
-    <p:tnLst>
-      <p:par>
-        <p:cTn id="1" dur="indefinite" restart="never" nodeType="tmRoot"/>
-      </p:par>
-    </p:tnLst>
-  </p:timing>
-</p:sld>
-</file>
-
-<file path=ppt/slides/slide68.xml><?xml version="1.0" encoding="utf-8"?>
-<p:sld xmlns:a="http://schemas.openxmlformats.org/drawingml/2006/main" xmlns:r="http://schemas.openxmlformats.org/officeDocument/2006/relationships" xmlns:p="http://schemas.openxmlformats.org/presentationml/2006/main">
-  <p:cSld>
-    <p:spTree>
-      <p:nvGrpSpPr>
-        <p:cNvPr id="1" name=""/>
-        <p:cNvGrpSpPr/>
-        <p:nvPr/>
-      </p:nvGrpSpPr>
-      <p:grpSpPr>
-        <a:xfrm>
-          <a:off x="0" y="0"/>
-          <a:ext cx="0" cy="0"/>
-          <a:chOff x="0" y="0"/>
-          <a:chExt cx="0" cy="0"/>
-        </a:xfrm>
-      </p:grpSpPr>
-      <p:sp>
-        <p:nvSpPr>
-          <p:cNvPr id="2" name="Title 1"/>
-          <p:cNvSpPr>
-            <a:spLocks noGrp="1"/>
-          </p:cNvSpPr>
-          <p:nvPr>
-            <p:ph type="title"/>
-          </p:nvPr>
-        </p:nvSpPr>
-        <p:spPr/>
-        <p:txBody>
-          <a:bodyPr/>
-          <a:lstStyle/>
-          <a:p>
-            <a:endParaRPr lang="en-US"/>
-          </a:p>
-        </p:txBody>
-      </p:sp>
-      <p:sp>
-        <p:nvSpPr>
-          <p:cNvPr id="3" name="Content Placeholder 2"/>
-          <p:cNvSpPr>
-            <a:spLocks noGrp="1"/>
-          </p:cNvSpPr>
-          <p:nvPr>
-            <p:ph idx="1"/>
-          </p:nvPr>
-        </p:nvSpPr>
-        <p:spPr/>
-        <p:txBody>
-          <a:bodyPr/>
-          <a:lstStyle/>
-          <a:p>
-            <a:pPr>
-              <a:buNone/>
-            </a:pPr>
-            <a:endParaRPr lang="en-US" dirty="0" smtClean="0"/>
-          </a:p>
-          <a:p>
-            <a:pPr>
-              <a:buNone/>
-            </a:pPr>
-            <a:endParaRPr lang="en-US" dirty="0" smtClean="0"/>
-          </a:p>
-          <a:p>
-            <a:pPr algn="ctr">
-              <a:buNone/>
-            </a:pPr>
-            <a:r>
-              <a:rPr lang="en-US" dirty="0" smtClean="0"/>
-              <a:t>Or custom user types…</a:t>
-            </a:r>
-            <a:endParaRPr lang="en-US" dirty="0"/>
-          </a:p>
-        </p:txBody>
-      </p:sp>
-    </p:spTree>
-  </p:cSld>
-  <p:clrMapOvr>
-    <a:masterClrMapping/>
-  </p:clrMapOvr>
-  <p:transition advTm="3906"/>
-  <p:timing>
-    <p:tnLst>
-      <p:par>
-        <p:cTn id="1" dur="indefinite" restart="never" nodeType="tmRoot"/>
-      </p:par>
-    </p:tnLst>
-  </p:timing>
-</p:sld>
-</file>
-
-<file path=ppt/slides/slide69.xml><?xml version="1.0" encoding="utf-8"?>
-<p:sld xmlns:a="http://schemas.openxmlformats.org/drawingml/2006/main" xmlns:r="http://schemas.openxmlformats.org/officeDocument/2006/relationships" xmlns:p="http://schemas.openxmlformats.org/presentationml/2006/main">
-  <p:cSld>
-    <p:spTree>
-      <p:nvGrpSpPr>
-        <p:cNvPr id="1" name=""/>
-        <p:cNvGrpSpPr/>
-        <p:nvPr/>
-      </p:nvGrpSpPr>
-      <p:grpSpPr>
-        <a:xfrm>
-          <a:off x="0" y="0"/>
-          <a:ext cx="0" cy="0"/>
-          <a:chOff x="0" y="0"/>
-          <a:chExt cx="0" cy="0"/>
-        </a:xfrm>
-      </p:grpSpPr>
-      <p:sp>
-        <p:nvSpPr>
-          <p:cNvPr id="2" name="Title 1"/>
-          <p:cNvSpPr>
-            <a:spLocks noGrp="1"/>
-          </p:cNvSpPr>
-          <p:nvPr>
-            <p:ph type="title"/>
-          </p:nvPr>
-        </p:nvSpPr>
-        <p:spPr/>
-        <p:txBody>
-          <a:bodyPr/>
-          <a:lstStyle/>
-          <a:p>
-            <a:endParaRPr lang="en-US"/>
-          </a:p>
-        </p:txBody>
-      </p:sp>
-      <p:sp>
-        <p:nvSpPr>
-          <p:cNvPr id="3" name="Content Placeholder 2"/>
-          <p:cNvSpPr>
-            <a:spLocks noGrp="1"/>
-          </p:cNvSpPr>
-          <p:nvPr>
-            <p:ph idx="1"/>
-          </p:nvPr>
-        </p:nvSpPr>
-        <p:spPr/>
-        <p:txBody>
-          <a:bodyPr/>
-          <a:lstStyle/>
-          <a:p>
-            <a:pPr>
-              <a:buNone/>
-            </a:pPr>
-            <a:endParaRPr lang="en-US" dirty="0" smtClean="0"/>
-          </a:p>
-          <a:p>
-            <a:pPr>
-              <a:buNone/>
-            </a:pPr>
-            <a:endParaRPr lang="en-US" dirty="0" smtClean="0"/>
-          </a:p>
-          <a:p>
-            <a:pPr algn="ctr">
-              <a:buNone/>
-            </a:pPr>
-            <a:r>
-              <a:rPr lang="en-US" dirty="0" smtClean="0"/>
-              <a:t>Or how to deal with entities that were detached from the session…</a:t>
-            </a:r>
-            <a:endParaRPr lang="en-US" dirty="0"/>
-          </a:p>
-        </p:txBody>
-      </p:sp>
-    </p:spTree>
-  </p:cSld>
-  <p:clrMapOvr>
-    <a:masterClrMapping/>
-  </p:clrMapOvr>
-  <p:transition advTm="12125"/>
   <p:timing>
     <p:tnLst>
       <p:par>
@@ -9366,635 +5621,6 @@
     <a:masterClrMapping/>
   </p:clrMapOvr>
   <p:transition advTm="9797"/>
-  <p:timing>
-    <p:tnLst>
-      <p:par>
-        <p:cTn id="1" dur="indefinite" restart="never" nodeType="tmRoot"/>
-      </p:par>
-    </p:tnLst>
-  </p:timing>
-</p:sld>
-</file>
-
-<file path=ppt/slides/slide70.xml><?xml version="1.0" encoding="utf-8"?>
-<p:sld xmlns:a="http://schemas.openxmlformats.org/drawingml/2006/main" xmlns:r="http://schemas.openxmlformats.org/officeDocument/2006/relationships" xmlns:p="http://schemas.openxmlformats.org/presentationml/2006/main">
-  <p:cSld>
-    <p:spTree>
-      <p:nvGrpSpPr>
-        <p:cNvPr id="1" name=""/>
-        <p:cNvGrpSpPr/>
-        <p:nvPr/>
-      </p:nvGrpSpPr>
-      <p:grpSpPr>
-        <a:xfrm>
-          <a:off x="0" y="0"/>
-          <a:ext cx="0" cy="0"/>
-          <a:chOff x="0" y="0"/>
-          <a:chExt cx="0" cy="0"/>
-        </a:xfrm>
-      </p:grpSpPr>
-      <p:sp>
-        <p:nvSpPr>
-          <p:cNvPr id="2" name="Title 1"/>
-          <p:cNvSpPr>
-            <a:spLocks noGrp="1"/>
-          </p:cNvSpPr>
-          <p:nvPr>
-            <p:ph type="title"/>
-          </p:nvPr>
-        </p:nvSpPr>
-        <p:spPr/>
-        <p:txBody>
-          <a:bodyPr/>
-          <a:lstStyle/>
-          <a:p>
-            <a:endParaRPr lang="en-US"/>
-          </a:p>
-        </p:txBody>
-      </p:sp>
-      <p:sp>
-        <p:nvSpPr>
-          <p:cNvPr id="3" name="Content Placeholder 2"/>
-          <p:cNvSpPr>
-            <a:spLocks noGrp="1"/>
-          </p:cNvSpPr>
-          <p:nvPr>
-            <p:ph idx="1"/>
-          </p:nvPr>
-        </p:nvSpPr>
-        <p:spPr/>
-        <p:txBody>
-          <a:bodyPr/>
-          <a:lstStyle/>
-          <a:p>
-            <a:pPr>
-              <a:buNone/>
-            </a:pPr>
-            <a:endParaRPr lang="en-US" dirty="0" smtClean="0"/>
-          </a:p>
-          <a:p>
-            <a:pPr>
-              <a:buNone/>
-            </a:pPr>
-            <a:endParaRPr lang="en-US" dirty="0" smtClean="0"/>
-          </a:p>
-          <a:p>
-            <a:pPr algn="ctr">
-              <a:buNone/>
-            </a:pPr>
-            <a:r>
-              <a:rPr lang="en-US" dirty="0" smtClean="0"/>
-              <a:t>Or the generation of DDL scripts, for your specific database…</a:t>
-            </a:r>
-            <a:endParaRPr lang="en-US" dirty="0"/>
-          </a:p>
-        </p:txBody>
-      </p:sp>
-    </p:spTree>
-  </p:cSld>
-  <p:clrMapOvr>
-    <a:masterClrMapping/>
-  </p:clrMapOvr>
-  <p:transition advTm="12906"/>
-  <p:timing>
-    <p:tnLst>
-      <p:par>
-        <p:cTn id="1" dur="indefinite" restart="never" nodeType="tmRoot"/>
-      </p:par>
-    </p:tnLst>
-  </p:timing>
-</p:sld>
-</file>
-
-<file path=ppt/slides/slide71.xml><?xml version="1.0" encoding="utf-8"?>
-<p:sld xmlns:a="http://schemas.openxmlformats.org/drawingml/2006/main" xmlns:r="http://schemas.openxmlformats.org/officeDocument/2006/relationships" xmlns:p="http://schemas.openxmlformats.org/presentationml/2006/main">
-  <p:cSld>
-    <p:spTree>
-      <p:nvGrpSpPr>
-        <p:cNvPr id="1" name=""/>
-        <p:cNvGrpSpPr/>
-        <p:nvPr/>
-      </p:nvGrpSpPr>
-      <p:grpSpPr>
-        <a:xfrm>
-          <a:off x="0" y="0"/>
-          <a:ext cx="0" cy="0"/>
-          <a:chOff x="0" y="0"/>
-          <a:chExt cx="0" cy="0"/>
-        </a:xfrm>
-      </p:grpSpPr>
-      <p:sp>
-        <p:nvSpPr>
-          <p:cNvPr id="2" name="Title 1"/>
-          <p:cNvSpPr>
-            <a:spLocks noGrp="1"/>
-          </p:cNvSpPr>
-          <p:nvPr>
-            <p:ph type="title"/>
-          </p:nvPr>
-        </p:nvSpPr>
-        <p:spPr/>
-        <p:txBody>
-          <a:bodyPr/>
-          <a:lstStyle/>
-          <a:p>
-            <a:endParaRPr lang="en-US"/>
-          </a:p>
-        </p:txBody>
-      </p:sp>
-      <p:sp>
-        <p:nvSpPr>
-          <p:cNvPr id="3" name="Content Placeholder 2"/>
-          <p:cNvSpPr>
-            <a:spLocks noGrp="1"/>
-          </p:cNvSpPr>
-          <p:nvPr>
-            <p:ph idx="1"/>
-          </p:nvPr>
-        </p:nvSpPr>
-        <p:spPr/>
-        <p:txBody>
-          <a:bodyPr/>
-          <a:lstStyle/>
-          <a:p>
-            <a:pPr>
-              <a:buNone/>
-            </a:pPr>
-            <a:endParaRPr lang="en-US" dirty="0" smtClean="0"/>
-          </a:p>
-          <a:p>
-            <a:pPr>
-              <a:buNone/>
-            </a:pPr>
-            <a:endParaRPr lang="en-US" dirty="0" smtClean="0"/>
-          </a:p>
-          <a:p>
-            <a:pPr algn="ctr">
-              <a:buNone/>
-            </a:pPr>
-            <a:r>
-              <a:rPr lang="en-US" dirty="0" smtClean="0"/>
-              <a:t>Or the various mapping strategies for complex domain models…</a:t>
-            </a:r>
-            <a:endParaRPr lang="en-US" dirty="0"/>
-          </a:p>
-        </p:txBody>
-      </p:sp>
-    </p:spTree>
-  </p:cSld>
-  <p:clrMapOvr>
-    <a:masterClrMapping/>
-  </p:clrMapOvr>
-  <p:transition advTm="9531"/>
-  <p:timing>
-    <p:tnLst>
-      <p:par>
-        <p:cTn id="1" dur="indefinite" restart="never" nodeType="tmRoot"/>
-      </p:par>
-    </p:tnLst>
-  </p:timing>
-</p:sld>
-</file>
-
-<file path=ppt/slides/slide72.xml><?xml version="1.0" encoding="utf-8"?>
-<p:sld xmlns:a="http://schemas.openxmlformats.org/drawingml/2006/main" xmlns:r="http://schemas.openxmlformats.org/officeDocument/2006/relationships" xmlns:p="http://schemas.openxmlformats.org/presentationml/2006/main">
-  <p:cSld>
-    <p:spTree>
-      <p:nvGrpSpPr>
-        <p:cNvPr id="1" name=""/>
-        <p:cNvGrpSpPr/>
-        <p:nvPr/>
-      </p:nvGrpSpPr>
-      <p:grpSpPr>
-        <a:xfrm>
-          <a:off x="0" y="0"/>
-          <a:ext cx="0" cy="0"/>
-          <a:chOff x="0" y="0"/>
-          <a:chExt cx="0" cy="0"/>
-        </a:xfrm>
-      </p:grpSpPr>
-      <p:sp>
-        <p:nvSpPr>
-          <p:cNvPr id="2" name="Title 1"/>
-          <p:cNvSpPr>
-            <a:spLocks noGrp="1"/>
-          </p:cNvSpPr>
-          <p:nvPr>
-            <p:ph type="title"/>
-          </p:nvPr>
-        </p:nvSpPr>
-        <p:spPr/>
-        <p:txBody>
-          <a:bodyPr/>
-          <a:lstStyle/>
-          <a:p>
-            <a:endParaRPr lang="en-US"/>
-          </a:p>
-        </p:txBody>
-      </p:sp>
-      <p:sp>
-        <p:nvSpPr>
-          <p:cNvPr id="3" name="Content Placeholder 2"/>
-          <p:cNvSpPr>
-            <a:spLocks noGrp="1"/>
-          </p:cNvSpPr>
-          <p:nvPr>
-            <p:ph idx="1"/>
-          </p:nvPr>
-        </p:nvSpPr>
-        <p:spPr/>
-        <p:txBody>
-          <a:bodyPr/>
-          <a:lstStyle/>
-          <a:p>
-            <a:pPr>
-              <a:buNone/>
-            </a:pPr>
-            <a:endParaRPr lang="en-US" dirty="0" smtClean="0"/>
-          </a:p>
-          <a:p>
-            <a:pPr>
-              <a:buNone/>
-            </a:pPr>
-            <a:endParaRPr lang="en-US" dirty="0" smtClean="0"/>
-          </a:p>
-          <a:p>
-            <a:pPr algn="ctr">
-              <a:buNone/>
-            </a:pPr>
-            <a:r>
-              <a:rPr lang="en-US" dirty="0" smtClean="0"/>
-              <a:t>We didn’t cover any of the many extensibility points either…</a:t>
-            </a:r>
-          </a:p>
-        </p:txBody>
-      </p:sp>
-    </p:spTree>
-  </p:cSld>
-  <p:clrMapOvr>
-    <a:masterClrMapping/>
-  </p:clrMapOvr>
-  <p:transition advTm="14078"/>
-  <p:timing>
-    <p:tnLst>
-      <p:par>
-        <p:cTn id="1" dur="indefinite" restart="never" nodeType="tmRoot"/>
-      </p:par>
-    </p:tnLst>
-  </p:timing>
-</p:sld>
-</file>
-
-<file path=ppt/slides/slide73.xml><?xml version="1.0" encoding="utf-8"?>
-<p:sld xmlns:a="http://schemas.openxmlformats.org/drawingml/2006/main" xmlns:r="http://schemas.openxmlformats.org/officeDocument/2006/relationships" xmlns:p="http://schemas.openxmlformats.org/presentationml/2006/main">
-  <p:cSld>
-    <p:spTree>
-      <p:nvGrpSpPr>
-        <p:cNvPr id="1" name=""/>
-        <p:cNvGrpSpPr/>
-        <p:nvPr/>
-      </p:nvGrpSpPr>
-      <p:grpSpPr>
-        <a:xfrm>
-          <a:off x="0" y="0"/>
-          <a:ext cx="0" cy="0"/>
-          <a:chOff x="0" y="0"/>
-          <a:chExt cx="0" cy="0"/>
-        </a:xfrm>
-      </p:grpSpPr>
-      <p:sp>
-        <p:nvSpPr>
-          <p:cNvPr id="2" name="Title 1"/>
-          <p:cNvSpPr>
-            <a:spLocks noGrp="1"/>
-          </p:cNvSpPr>
-          <p:nvPr>
-            <p:ph type="title"/>
-          </p:nvPr>
-        </p:nvSpPr>
-        <p:spPr/>
-        <p:txBody>
-          <a:bodyPr/>
-          <a:lstStyle/>
-          <a:p>
-            <a:endParaRPr lang="en-US"/>
-          </a:p>
-        </p:txBody>
-      </p:sp>
-      <p:sp>
-        <p:nvSpPr>
-          <p:cNvPr id="3" name="Content Placeholder 2"/>
-          <p:cNvSpPr>
-            <a:spLocks noGrp="1"/>
-          </p:cNvSpPr>
-          <p:nvPr>
-            <p:ph idx="1"/>
-          </p:nvPr>
-        </p:nvSpPr>
-        <p:spPr/>
-        <p:txBody>
-          <a:bodyPr/>
-          <a:lstStyle/>
-          <a:p>
-            <a:pPr>
-              <a:buNone/>
-            </a:pPr>
-            <a:endParaRPr lang="en-US" dirty="0" smtClean="0"/>
-          </a:p>
-          <a:p>
-            <a:pPr>
-              <a:buNone/>
-            </a:pPr>
-            <a:endParaRPr lang="en-US" dirty="0" smtClean="0"/>
-          </a:p>
-          <a:p>
-            <a:pPr algn="ctr">
-              <a:buNone/>
-            </a:pPr>
-            <a:r>
-              <a:rPr lang="en-US" dirty="0" smtClean="0"/>
-              <a:t>Maybe some other time :)</a:t>
-            </a:r>
-            <a:endParaRPr lang="en-US" dirty="0"/>
-          </a:p>
-        </p:txBody>
-      </p:sp>
-    </p:spTree>
-  </p:cSld>
-  <p:clrMapOvr>
-    <a:masterClrMapping/>
-  </p:clrMapOvr>
-  <p:transition advTm="8343"/>
-  <p:timing>
-    <p:tnLst>
-      <p:par>
-        <p:cTn id="1" dur="indefinite" restart="never" nodeType="tmRoot"/>
-      </p:par>
-    </p:tnLst>
-  </p:timing>
-</p:sld>
-</file>
-
-<file path=ppt/slides/slide74.xml><?xml version="1.0" encoding="utf-8"?>
-<p:sld xmlns:a="http://schemas.openxmlformats.org/drawingml/2006/main" xmlns:r="http://schemas.openxmlformats.org/officeDocument/2006/relationships" xmlns:p="http://schemas.openxmlformats.org/presentationml/2006/main">
-  <p:cSld>
-    <p:spTree>
-      <p:nvGrpSpPr>
-        <p:cNvPr id="1" name=""/>
-        <p:cNvGrpSpPr/>
-        <p:nvPr/>
-      </p:nvGrpSpPr>
-      <p:grpSpPr>
-        <a:xfrm>
-          <a:off x="0" y="0"/>
-          <a:ext cx="0" cy="0"/>
-          <a:chOff x="0" y="0"/>
-          <a:chExt cx="0" cy="0"/>
-        </a:xfrm>
-      </p:grpSpPr>
-      <p:sp>
-        <p:nvSpPr>
-          <p:cNvPr id="2" name="Title 1"/>
-          <p:cNvSpPr>
-            <a:spLocks noGrp="1"/>
-          </p:cNvSpPr>
-          <p:nvPr>
-            <p:ph type="title"/>
-          </p:nvPr>
-        </p:nvSpPr>
-        <p:spPr/>
-        <p:txBody>
-          <a:bodyPr/>
-          <a:lstStyle/>
-          <a:p>
-            <a:endParaRPr lang="en-US"/>
-          </a:p>
-        </p:txBody>
-      </p:sp>
-      <p:sp>
-        <p:nvSpPr>
-          <p:cNvPr id="3" name="Content Placeholder 2"/>
-          <p:cNvSpPr>
-            <a:spLocks noGrp="1"/>
-          </p:cNvSpPr>
-          <p:nvPr>
-            <p:ph idx="1"/>
-          </p:nvPr>
-        </p:nvSpPr>
-        <p:spPr/>
-        <p:txBody>
-          <a:bodyPr/>
-          <a:lstStyle/>
-          <a:p>
-            <a:pPr>
-              <a:buNone/>
-            </a:pPr>
-            <a:endParaRPr lang="en-US" dirty="0" smtClean="0"/>
-          </a:p>
-          <a:p>
-            <a:pPr>
-              <a:buNone/>
-            </a:pPr>
-            <a:endParaRPr lang="en-US" dirty="0" smtClean="0"/>
-          </a:p>
-          <a:p>
-            <a:pPr algn="ctr">
-              <a:buNone/>
-            </a:pPr>
-            <a:r>
-              <a:rPr lang="en-US" dirty="0" smtClean="0"/>
-              <a:t>If you want to learn more, be sure to visit http://nhforge.org</a:t>
-            </a:r>
-            <a:endParaRPr lang="en-US" dirty="0"/>
-          </a:p>
-        </p:txBody>
-      </p:sp>
-    </p:spTree>
-  </p:cSld>
-  <p:clrMapOvr>
-    <a:masterClrMapping/>
-  </p:clrMapOvr>
-  <p:transition advTm="22703"/>
-  <p:timing>
-    <p:tnLst>
-      <p:par>
-        <p:cTn id="1" dur="indefinite" restart="never" nodeType="tmRoot"/>
-      </p:par>
-    </p:tnLst>
-  </p:timing>
-</p:sld>
-</file>
-
-<file path=ppt/slides/slide75.xml><?xml version="1.0" encoding="utf-8"?>
-<p:sld xmlns:a="http://schemas.openxmlformats.org/drawingml/2006/main" xmlns:r="http://schemas.openxmlformats.org/officeDocument/2006/relationships" xmlns:p="http://schemas.openxmlformats.org/presentationml/2006/main">
-  <p:cSld>
-    <p:spTree>
-      <p:nvGrpSpPr>
-        <p:cNvPr id="1" name=""/>
-        <p:cNvGrpSpPr/>
-        <p:nvPr/>
-      </p:nvGrpSpPr>
-      <p:grpSpPr>
-        <a:xfrm>
-          <a:off x="0" y="0"/>
-          <a:ext cx="0" cy="0"/>
-          <a:chOff x="0" y="0"/>
-          <a:chExt cx="0" cy="0"/>
-        </a:xfrm>
-      </p:grpSpPr>
-      <p:sp>
-        <p:nvSpPr>
-          <p:cNvPr id="2" name="Title 1"/>
-          <p:cNvSpPr>
-            <a:spLocks noGrp="1"/>
-          </p:cNvSpPr>
-          <p:nvPr>
-            <p:ph type="title"/>
-          </p:nvPr>
-        </p:nvSpPr>
-        <p:spPr/>
-        <p:txBody>
-          <a:bodyPr/>
-          <a:lstStyle/>
-          <a:p>
-            <a:endParaRPr lang="en-US"/>
-          </a:p>
-        </p:txBody>
-      </p:sp>
-      <p:sp>
-        <p:nvSpPr>
-          <p:cNvPr id="3" name="Content Placeholder 2"/>
-          <p:cNvSpPr>
-            <a:spLocks noGrp="1"/>
-          </p:cNvSpPr>
-          <p:nvPr>
-            <p:ph idx="1"/>
-          </p:nvPr>
-        </p:nvSpPr>
-        <p:spPr/>
-        <p:txBody>
-          <a:bodyPr/>
-          <a:lstStyle/>
-          <a:p>
-            <a:pPr>
-              <a:buNone/>
-            </a:pPr>
-            <a:endParaRPr lang="en-US" dirty="0" smtClean="0"/>
-          </a:p>
-          <a:p>
-            <a:pPr>
-              <a:buNone/>
-            </a:pPr>
-            <a:endParaRPr lang="en-US" dirty="0" smtClean="0"/>
-          </a:p>
-          <a:p>
-            <a:pPr algn="ctr">
-              <a:buNone/>
-            </a:pPr>
-            <a:r>
-              <a:rPr lang="en-US" dirty="0" smtClean="0"/>
-              <a:t>Oh, and check out my blog if you liked this presentation: http://davybrion.com</a:t>
-            </a:r>
-            <a:endParaRPr lang="en-US" dirty="0"/>
-          </a:p>
-        </p:txBody>
-      </p:sp>
-    </p:spTree>
-  </p:cSld>
-  <p:clrMapOvr>
-    <a:masterClrMapping/>
-  </p:clrMapOvr>
-  <p:transition advTm="8344"/>
-  <p:timing>
-    <p:tnLst>
-      <p:par>
-        <p:cTn id="1" dur="indefinite" restart="never" nodeType="tmRoot"/>
-      </p:par>
-    </p:tnLst>
-  </p:timing>
-</p:sld>
-</file>
-
-<file path=ppt/slides/slide76.xml><?xml version="1.0" encoding="utf-8"?>
-<p:sld xmlns:a="http://schemas.openxmlformats.org/drawingml/2006/main" xmlns:r="http://schemas.openxmlformats.org/officeDocument/2006/relationships" xmlns:p="http://schemas.openxmlformats.org/presentationml/2006/main">
-  <p:cSld>
-    <p:spTree>
-      <p:nvGrpSpPr>
-        <p:cNvPr id="1" name=""/>
-        <p:cNvGrpSpPr/>
-        <p:nvPr/>
-      </p:nvGrpSpPr>
-      <p:grpSpPr>
-        <a:xfrm>
-          <a:off x="0" y="0"/>
-          <a:ext cx="0" cy="0"/>
-          <a:chOff x="0" y="0"/>
-          <a:chExt cx="0" cy="0"/>
-        </a:xfrm>
-      </p:grpSpPr>
-      <p:sp>
-        <p:nvSpPr>
-          <p:cNvPr id="2" name="Title 1"/>
-          <p:cNvSpPr>
-            <a:spLocks noGrp="1"/>
-          </p:cNvSpPr>
-          <p:nvPr>
-            <p:ph type="title"/>
-          </p:nvPr>
-        </p:nvSpPr>
-        <p:spPr/>
-        <p:txBody>
-          <a:bodyPr/>
-          <a:lstStyle/>
-          <a:p>
-            <a:endParaRPr lang="en-US"/>
-          </a:p>
-        </p:txBody>
-      </p:sp>
-      <p:sp>
-        <p:nvSpPr>
-          <p:cNvPr id="3" name="Content Placeholder 2"/>
-          <p:cNvSpPr>
-            <a:spLocks noGrp="1"/>
-          </p:cNvSpPr>
-          <p:nvPr>
-            <p:ph idx="1"/>
-          </p:nvPr>
-        </p:nvSpPr>
-        <p:spPr/>
-        <p:txBody>
-          <a:bodyPr/>
-          <a:lstStyle/>
-          <a:p>
-            <a:pPr>
-              <a:buNone/>
-            </a:pPr>
-            <a:endParaRPr lang="en-US" dirty="0" smtClean="0"/>
-          </a:p>
-          <a:p>
-            <a:pPr>
-              <a:buNone/>
-            </a:pPr>
-            <a:endParaRPr lang="en-US" dirty="0" smtClean="0"/>
-          </a:p>
-          <a:p>
-            <a:pPr algn="ctr">
-              <a:buNone/>
-            </a:pPr>
-            <a:r>
-              <a:rPr lang="en-US" dirty="0" smtClean="0"/>
-              <a:t>Questions?</a:t>
-            </a:r>
-            <a:endParaRPr lang="en-US" dirty="0"/>
-          </a:p>
-        </p:txBody>
-      </p:sp>
-    </p:spTree>
-  </p:cSld>
-  <p:clrMapOvr>
-    <a:masterClrMapping/>
-  </p:clrMapOvr>
-  <p:transition advTm="10578"/>
   <p:timing>
     <p:tnLst>
       <p:par>
